--- a/organization/server/RSA-App.pptx
+++ b/organization/server/RSA-App.pptx
@@ -10,7 +10,7 @@
     <p:sldId id="261" r:id="rId4"/>
     <p:sldId id="262" r:id="rId5"/>
     <p:sldId id="257" r:id="rId6"/>
-    <p:sldId id="260" r:id="rId7"/>
+    <p:sldId id="263" r:id="rId7"/>
   </p:sldIdLst>
   <p:sldSz cx="12192000" cy="6858000"/>
   <p:notesSz cx="6858000" cy="9144000"/>
@@ -11467,62 +11467,6 @@
           </a:fontRef>
         </p:style>
       </p:cxnSp>
-      <p:sp>
-        <p:nvSpPr>
-          <p:cNvPr id="42" name="Rechteck 41">
-            <a:extLst>
-              <a:ext uri="{FF2B5EF4-FFF2-40B4-BE49-F238E27FC236}">
-                <a16:creationId xmlns:a16="http://schemas.microsoft.com/office/drawing/2014/main" id="{3D54A2EA-8C2B-4B01-86C1-8146A318E477}"/>
-              </a:ext>
-            </a:extLst>
-          </p:cNvPr>
-          <p:cNvSpPr/>
-          <p:nvPr/>
-        </p:nvSpPr>
-        <p:spPr>
-          <a:xfrm>
-            <a:off x="2102881" y="3948982"/>
-            <a:ext cx="1337261" cy="716970"/>
-          </a:xfrm>
-          <a:prstGeom prst="rect">
-            <a:avLst/>
-          </a:prstGeom>
-        </p:spPr>
-        <p:style>
-          <a:lnRef idx="2">
-            <a:schemeClr val="accent6">
-              <a:shade val="50000"/>
-            </a:schemeClr>
-          </a:lnRef>
-          <a:fillRef idx="1">
-            <a:schemeClr val="accent6"/>
-          </a:fillRef>
-          <a:effectRef idx="0">
-            <a:schemeClr val="accent6"/>
-          </a:effectRef>
-          <a:fontRef idx="minor">
-            <a:schemeClr val="lt1"/>
-          </a:fontRef>
-        </p:style>
-        <p:txBody>
-          <a:bodyPr rtlCol="0" anchor="ctr"/>
-          <a:lstStyle/>
-          <a:p>
-            <a:pPr algn="ctr"/>
-            <a:r>
-              <a:rPr lang="de-DE" sz="1400" err="1">
-                <a:latin typeface="Roboto Medium" panose="02000000000000000000" pitchFamily="2" charset="0"/>
-                <a:ea typeface="Roboto Medium" panose="02000000000000000000" pitchFamily="2" charset="0"/>
-              </a:rPr>
-              <a:t>ReadService</a:t>
-            </a:r>
-            <a:endParaRPr lang="de-DE" sz="1400">
-              <a:latin typeface="Roboto Medium" panose="02000000000000000000" pitchFamily="2" charset="0"/>
-              <a:ea typeface="Roboto Medium" panose="02000000000000000000" pitchFamily="2" charset="0"/>
-            </a:endParaRPr>
-          </a:p>
-        </p:txBody>
-      </p:sp>
       <p:cxnSp>
         <p:nvCxnSpPr>
           <p:cNvPr id="44" name="Verbinder: gewinkelt 43">
@@ -11563,98 +11507,6 @@
           </a:fillRef>
           <a:effectRef idx="0">
             <a:schemeClr val="accent6"/>
-          </a:effectRef>
-          <a:fontRef idx="minor">
-            <a:schemeClr val="tx1"/>
-          </a:fontRef>
-        </p:style>
-      </p:cxnSp>
-      <p:cxnSp>
-        <p:nvCxnSpPr>
-          <p:cNvPr id="48" name="Verbinder: gewinkelt 47">
-            <a:extLst>
-              <a:ext uri="{FF2B5EF4-FFF2-40B4-BE49-F238E27FC236}">
-                <a16:creationId xmlns:a16="http://schemas.microsoft.com/office/drawing/2014/main" id="{9D6B6128-E7CE-4385-B96D-CA604C03C2AF}"/>
-              </a:ext>
-            </a:extLst>
-          </p:cNvPr>
-          <p:cNvCxnSpPr>
-            <a:cxnSpLocks/>
-            <a:stCxn id="13" idx="1"/>
-            <a:endCxn id="21" idx="0"/>
-          </p:cNvCxnSpPr>
-          <p:nvPr/>
-        </p:nvCxnSpPr>
-        <p:spPr>
-          <a:xfrm rot="10800000" flipV="1">
-            <a:off x="3136085" y="815526"/>
-            <a:ext cx="165381" cy="1809672"/>
-          </a:xfrm>
-          <a:prstGeom prst="bentConnector2">
-            <a:avLst/>
-          </a:prstGeom>
-          <a:ln w="57150">
-            <a:solidFill>
-              <a:srgbClr val="00B0F0"/>
-            </a:solidFill>
-            <a:tailEnd type="triangle"/>
-          </a:ln>
-        </p:spPr>
-        <p:style>
-          <a:lnRef idx="1">
-            <a:schemeClr val="accent1"/>
-          </a:lnRef>
-          <a:fillRef idx="0">
-            <a:schemeClr val="accent1"/>
-          </a:fillRef>
-          <a:effectRef idx="0">
-            <a:schemeClr val="accent1"/>
-          </a:effectRef>
-          <a:fontRef idx="minor">
-            <a:schemeClr val="tx1"/>
-          </a:fontRef>
-        </p:style>
-      </p:cxnSp>
-      <p:cxnSp>
-        <p:nvCxnSpPr>
-          <p:cNvPr id="50" name="Verbinder: gewinkelt 49">
-            <a:extLst>
-              <a:ext uri="{FF2B5EF4-FFF2-40B4-BE49-F238E27FC236}">
-                <a16:creationId xmlns:a16="http://schemas.microsoft.com/office/drawing/2014/main" id="{13BDA07A-02E7-4AC7-9F6E-B46708C87D9F}"/>
-              </a:ext>
-            </a:extLst>
-          </p:cNvPr>
-          <p:cNvCxnSpPr>
-            <a:cxnSpLocks/>
-            <a:stCxn id="14" idx="1"/>
-            <a:endCxn id="21" idx="0"/>
-          </p:cNvCxnSpPr>
-          <p:nvPr/>
-        </p:nvCxnSpPr>
-        <p:spPr>
-          <a:xfrm rot="10800000" flipV="1">
-            <a:off x="3136085" y="1733344"/>
-            <a:ext cx="165381" cy="891853"/>
-          </a:xfrm>
-          <a:prstGeom prst="bentConnector2">
-            <a:avLst/>
-          </a:prstGeom>
-          <a:ln w="57150">
-            <a:solidFill>
-              <a:srgbClr val="00B0F0"/>
-            </a:solidFill>
-            <a:tailEnd type="triangle"/>
-          </a:ln>
-        </p:spPr>
-        <p:style>
-          <a:lnRef idx="1">
-            <a:schemeClr val="accent1"/>
-          </a:lnRef>
-          <a:fillRef idx="0">
-            <a:schemeClr val="accent1"/>
-          </a:fillRef>
-          <a:effectRef idx="0">
-            <a:schemeClr val="accent1"/>
           </a:effectRef>
           <a:fontRef idx="minor">
             <a:schemeClr val="tx1"/>
@@ -11739,10 +11591,10 @@
       </p:sp>
       <p:sp>
         <p:nvSpPr>
-          <p:cNvPr id="21" name="Rechteck 20">
-            <a:extLst>
-              <a:ext uri="{FF2B5EF4-FFF2-40B4-BE49-F238E27FC236}">
-                <a16:creationId xmlns:a16="http://schemas.microsoft.com/office/drawing/2014/main" id="{14FF07BE-4622-4C58-8AD8-E674962EEF14}"/>
+          <p:cNvPr id="22" name="Rechteck 21">
+            <a:extLst>
+              <a:ext uri="{FF2B5EF4-FFF2-40B4-BE49-F238E27FC236}">
+                <a16:creationId xmlns:a16="http://schemas.microsoft.com/office/drawing/2014/main" id="{31A45673-A05A-4F32-ABDA-7EED3F5AC1A4}"/>
               </a:ext>
             </a:extLst>
           </p:cNvPr>
@@ -11751,10 +11603,160 @@
         </p:nvSpPr>
         <p:spPr>
           <a:xfrm>
-            <a:off x="2529713" y="2625198"/>
+            <a:off x="2102881" y="3117822"/>
+            <a:ext cx="2664911" cy="1548130"/>
+          </a:xfrm>
+          <a:prstGeom prst="rect">
+            <a:avLst/>
+          </a:prstGeom>
+        </p:spPr>
+        <p:style>
+          <a:lnRef idx="2">
+            <a:schemeClr val="accent6">
+              <a:shade val="50000"/>
+            </a:schemeClr>
+          </a:lnRef>
+          <a:fillRef idx="1">
+            <a:schemeClr val="accent6"/>
+          </a:fillRef>
+          <a:effectRef idx="0">
+            <a:schemeClr val="accent6"/>
+          </a:effectRef>
+          <a:fontRef idx="minor">
+            <a:schemeClr val="lt1"/>
+          </a:fontRef>
+        </p:style>
+        <p:txBody>
+          <a:bodyPr rtlCol="0" anchor="ctr"/>
+          <a:lstStyle/>
+          <a:p>
+            <a:pPr algn="ctr"/>
+            <a:r>
+              <a:rPr lang="de-DE" sz="1400">
+                <a:latin typeface="Roboto Medium" panose="02000000000000000000" pitchFamily="2" charset="0"/>
+                <a:ea typeface="Roboto Medium" panose="02000000000000000000" pitchFamily="2" charset="0"/>
+              </a:rPr>
+              <a:t>DatabaseService</a:t>
+            </a:r>
+          </a:p>
+        </p:txBody>
+      </p:sp>
+      <p:sp>
+        <p:nvSpPr>
+          <p:cNvPr id="67" name="Rechteck 66">
+            <a:extLst>
+              <a:ext uri="{FF2B5EF4-FFF2-40B4-BE49-F238E27FC236}">
+                <a16:creationId xmlns:a16="http://schemas.microsoft.com/office/drawing/2014/main" id="{1D7A00AE-CB40-437A-9A88-11C904B2A2DE}"/>
+              </a:ext>
+            </a:extLst>
+          </p:cNvPr>
+          <p:cNvSpPr/>
+          <p:nvPr/>
+        </p:nvSpPr>
+        <p:spPr>
+          <a:xfrm>
+            <a:off x="2176193" y="5444415"/>
             <a:ext cx="1212742" cy="716970"/>
           </a:xfrm>
           <a:prstGeom prst="rect">
+            <a:avLst/>
+          </a:prstGeom>
+        </p:spPr>
+        <p:style>
+          <a:lnRef idx="2">
+            <a:schemeClr val="accent3">
+              <a:shade val="50000"/>
+            </a:schemeClr>
+          </a:lnRef>
+          <a:fillRef idx="1">
+            <a:schemeClr val="accent3"/>
+          </a:fillRef>
+          <a:effectRef idx="0">
+            <a:schemeClr val="accent3"/>
+          </a:effectRef>
+          <a:fontRef idx="minor">
+            <a:schemeClr val="lt1"/>
+          </a:fontRef>
+        </p:style>
+        <p:txBody>
+          <a:bodyPr rtlCol="0" anchor="ctr"/>
+          <a:lstStyle/>
+          <a:p>
+            <a:pPr algn="ctr"/>
+            <a:r>
+              <a:rPr lang="de-DE" sz="1400">
+                <a:latin typeface="Roboto Medium" panose="02000000000000000000" pitchFamily="2" charset="0"/>
+                <a:ea typeface="Roboto Medium" panose="02000000000000000000" pitchFamily="2" charset="0"/>
+              </a:rPr>
+              <a:t>DBManager</a:t>
+            </a:r>
+          </a:p>
+        </p:txBody>
+      </p:sp>
+      <p:cxnSp>
+        <p:nvCxnSpPr>
+          <p:cNvPr id="71" name="Verbinder: gewinkelt 70">
+            <a:extLst>
+              <a:ext uri="{FF2B5EF4-FFF2-40B4-BE49-F238E27FC236}">
+                <a16:creationId xmlns:a16="http://schemas.microsoft.com/office/drawing/2014/main" id="{238E2458-EBDA-4860-8281-03FB6D10CF1E}"/>
+              </a:ext>
+            </a:extLst>
+          </p:cNvPr>
+          <p:cNvCxnSpPr>
+            <a:cxnSpLocks/>
+            <a:stCxn id="22" idx="2"/>
+            <a:endCxn id="67" idx="3"/>
+          </p:cNvCxnSpPr>
+          <p:nvPr/>
+        </p:nvCxnSpPr>
+        <p:spPr>
+          <a:xfrm rot="5400000">
+            <a:off x="2843662" y="5211225"/>
+            <a:ext cx="1136948" cy="46402"/>
+          </a:xfrm>
+          <a:prstGeom prst="bentConnector2">
+            <a:avLst/>
+          </a:prstGeom>
+          <a:ln w="57150">
+            <a:solidFill>
+              <a:srgbClr val="00B0F0"/>
+            </a:solidFill>
+            <a:tailEnd type="triangle"/>
+          </a:ln>
+        </p:spPr>
+        <p:style>
+          <a:lnRef idx="1">
+            <a:schemeClr val="accent1"/>
+          </a:lnRef>
+          <a:fillRef idx="0">
+            <a:schemeClr val="accent1"/>
+          </a:fillRef>
+          <a:effectRef idx="0">
+            <a:schemeClr val="accent1"/>
+          </a:effectRef>
+          <a:fontRef idx="minor">
+            <a:schemeClr val="tx1"/>
+          </a:fontRef>
+        </p:style>
+      </p:cxnSp>
+      <p:sp>
+        <p:nvSpPr>
+          <p:cNvPr id="80" name="Gleichschenkliges Dreieck 79">
+            <a:extLst>
+              <a:ext uri="{FF2B5EF4-FFF2-40B4-BE49-F238E27FC236}">
+                <a16:creationId xmlns:a16="http://schemas.microsoft.com/office/drawing/2014/main" id="{AA488369-24D7-4D98-8C9A-0AB281F4F80D}"/>
+              </a:ext>
+            </a:extLst>
+          </p:cNvPr>
+          <p:cNvSpPr/>
+          <p:nvPr/>
+        </p:nvSpPr>
+        <p:spPr>
+          <a:xfrm rot="5400000">
+            <a:off x="-1630109" y="2369276"/>
+            <a:ext cx="4727138" cy="869546"/>
+          </a:xfrm>
+          <a:prstGeom prst="triangle">
             <a:avLst/>
           </a:prstGeom>
         </p:spPr>
@@ -11780,167 +11782,54 @@
           <a:p>
             <a:pPr algn="ctr"/>
             <a:r>
-              <a:rPr lang="de-DE" sz="1400" err="1">
-                <a:latin typeface="Roboto Medium" panose="02000000000000000000" pitchFamily="2" charset="0"/>
-                <a:ea typeface="Roboto Medium" panose="02000000000000000000" pitchFamily="2" charset="0"/>
-              </a:rPr>
-              <a:t>StoreQueue</a:t>
-            </a:r>
-            <a:endParaRPr lang="de-DE" sz="1400">
-              <a:latin typeface="Roboto Medium" panose="02000000000000000000" pitchFamily="2" charset="0"/>
-              <a:ea typeface="Roboto Medium" panose="02000000000000000000" pitchFamily="2" charset="0"/>
-            </a:endParaRPr>
-          </a:p>
-        </p:txBody>
-      </p:sp>
-      <p:sp>
-        <p:nvSpPr>
-          <p:cNvPr id="22" name="Rechteck 21">
-            <a:extLst>
-              <a:ext uri="{FF2B5EF4-FFF2-40B4-BE49-F238E27FC236}">
-                <a16:creationId xmlns:a16="http://schemas.microsoft.com/office/drawing/2014/main" id="{31A45673-A05A-4F32-ABDA-7EED3F5AC1A4}"/>
-              </a:ext>
-            </a:extLst>
-          </p:cNvPr>
-          <p:cNvSpPr/>
-          <p:nvPr/>
-        </p:nvSpPr>
-        <p:spPr>
-          <a:xfrm>
-            <a:off x="3555050" y="3948982"/>
-            <a:ext cx="1212742" cy="716970"/>
-          </a:xfrm>
-          <a:prstGeom prst="rect">
-            <a:avLst/>
-          </a:prstGeom>
-        </p:spPr>
-        <p:style>
-          <a:lnRef idx="2">
-            <a:schemeClr val="accent6">
-              <a:shade val="50000"/>
-            </a:schemeClr>
-          </a:lnRef>
-          <a:fillRef idx="1">
-            <a:schemeClr val="accent6"/>
-          </a:fillRef>
-          <a:effectRef idx="0">
-            <a:schemeClr val="accent6"/>
-          </a:effectRef>
-          <a:fontRef idx="minor">
-            <a:schemeClr val="lt1"/>
-          </a:fontRef>
-        </p:style>
-        <p:txBody>
-          <a:bodyPr rtlCol="0" anchor="ctr"/>
-          <a:lstStyle/>
-          <a:p>
-            <a:pPr algn="ctr"/>
-            <a:r>
-              <a:rPr lang="de-DE" sz="1400" err="1">
-                <a:latin typeface="Roboto Medium" panose="02000000000000000000" pitchFamily="2" charset="0"/>
-                <a:ea typeface="Roboto Medium" panose="02000000000000000000" pitchFamily="2" charset="0"/>
-              </a:rPr>
-              <a:t>StoreService</a:t>
-            </a:r>
-            <a:endParaRPr lang="de-DE" sz="1400">
-              <a:latin typeface="Roboto Medium" panose="02000000000000000000" pitchFamily="2" charset="0"/>
-              <a:ea typeface="Roboto Medium" panose="02000000000000000000" pitchFamily="2" charset="0"/>
-            </a:endParaRPr>
-          </a:p>
-        </p:txBody>
-      </p:sp>
-      <p:sp>
-        <p:nvSpPr>
-          <p:cNvPr id="67" name="Rechteck 66">
-            <a:extLst>
-              <a:ext uri="{FF2B5EF4-FFF2-40B4-BE49-F238E27FC236}">
-                <a16:creationId xmlns:a16="http://schemas.microsoft.com/office/drawing/2014/main" id="{1D7A00AE-CB40-437A-9A88-11C904B2A2DE}"/>
-              </a:ext>
-            </a:extLst>
-          </p:cNvPr>
-          <p:cNvSpPr/>
-          <p:nvPr/>
-        </p:nvSpPr>
-        <p:spPr>
-          <a:xfrm>
-            <a:off x="2176193" y="5444415"/>
-            <a:ext cx="1212742" cy="716970"/>
-          </a:xfrm>
-          <a:prstGeom prst="rect">
-            <a:avLst/>
-          </a:prstGeom>
-        </p:spPr>
-        <p:style>
-          <a:lnRef idx="2">
-            <a:schemeClr val="accent3">
-              <a:shade val="50000"/>
-            </a:schemeClr>
-          </a:lnRef>
-          <a:fillRef idx="1">
-            <a:schemeClr val="accent3"/>
-          </a:fillRef>
-          <a:effectRef idx="0">
-            <a:schemeClr val="accent3"/>
-          </a:effectRef>
-          <a:fontRef idx="minor">
-            <a:schemeClr val="lt1"/>
-          </a:fontRef>
-        </p:style>
-        <p:txBody>
-          <a:bodyPr rtlCol="0" anchor="ctr"/>
-          <a:lstStyle/>
-          <a:p>
-            <a:pPr algn="ctr"/>
-            <a:r>
               <a:rPr lang="de-DE" sz="1400">
                 <a:latin typeface="Roboto Medium" panose="02000000000000000000" pitchFamily="2" charset="0"/>
                 <a:ea typeface="Roboto Medium" panose="02000000000000000000" pitchFamily="2" charset="0"/>
               </a:rPr>
-              <a:t>DBManager</a:t>
+              <a:t>Message Manager</a:t>
             </a:r>
           </a:p>
         </p:txBody>
       </p:sp>
       <p:cxnSp>
         <p:nvCxnSpPr>
-          <p:cNvPr id="71" name="Verbinder: gewinkelt 70">
-            <a:extLst>
-              <a:ext uri="{FF2B5EF4-FFF2-40B4-BE49-F238E27FC236}">
-                <a16:creationId xmlns:a16="http://schemas.microsoft.com/office/drawing/2014/main" id="{238E2458-EBDA-4860-8281-03FB6D10CF1E}"/>
+          <p:cNvPr id="86" name="Verbinder: gewinkelt 85">
+            <a:extLst>
+              <a:ext uri="{FF2B5EF4-FFF2-40B4-BE49-F238E27FC236}">
+                <a16:creationId xmlns:a16="http://schemas.microsoft.com/office/drawing/2014/main" id="{268CE183-4711-449A-B58A-E678F94E5B8F}"/>
               </a:ext>
             </a:extLst>
           </p:cNvPr>
           <p:cNvCxnSpPr>
             <a:cxnSpLocks/>
-            <a:stCxn id="22" idx="2"/>
-            <a:endCxn id="67" idx="3"/>
+            <a:stCxn id="80" idx="0"/>
+            <a:endCxn id="13" idx="1"/>
           </p:cNvCxnSpPr>
           <p:nvPr/>
         </p:nvCxnSpPr>
         <p:spPr>
-          <a:xfrm rot="5400000">
-            <a:off x="3206704" y="4848183"/>
-            <a:ext cx="1136948" cy="772486"/>
-          </a:xfrm>
-          <a:prstGeom prst="bentConnector2">
-            <a:avLst/>
+          <a:xfrm flipV="1">
+            <a:off x="1168233" y="815526"/>
+            <a:ext cx="2133232" cy="1988523"/>
+          </a:xfrm>
+          <a:prstGeom prst="bentConnector3">
+            <a:avLst>
+              <a:gd name="adj1" fmla="val -1909"/>
+            </a:avLst>
           </a:prstGeom>
           <a:ln w="57150">
-            <a:solidFill>
-              <a:srgbClr val="00B0F0"/>
-            </a:solidFill>
             <a:tailEnd type="triangle"/>
           </a:ln>
         </p:spPr>
         <p:style>
           <a:lnRef idx="1">
-            <a:schemeClr val="accent1"/>
+            <a:schemeClr val="accent4"/>
           </a:lnRef>
           <a:fillRef idx="0">
-            <a:schemeClr val="accent1"/>
+            <a:schemeClr val="accent4"/>
           </a:fillRef>
           <a:effectRef idx="0">
-            <a:schemeClr val="accent1"/>
+            <a:schemeClr val="accent4"/>
           </a:effectRef>
           <a:fontRef idx="minor">
             <a:schemeClr val="tx1"/>
@@ -11949,10 +11838,67 @@
       </p:cxnSp>
       <p:sp>
         <p:nvSpPr>
-          <p:cNvPr id="79" name="Gleichschenkliges Dreieck 78">
-            <a:extLst>
-              <a:ext uri="{FF2B5EF4-FFF2-40B4-BE49-F238E27FC236}">
-                <a16:creationId xmlns:a16="http://schemas.microsoft.com/office/drawing/2014/main" id="{9A26699E-BF04-49E7-808C-8B5AED3524D7}"/>
+          <p:cNvPr id="87" name="Textfeld 86">
+            <a:extLst>
+              <a:ext uri="{FF2B5EF4-FFF2-40B4-BE49-F238E27FC236}">
+                <a16:creationId xmlns:a16="http://schemas.microsoft.com/office/drawing/2014/main" id="{FED30CBC-3B5C-461C-A6D0-4BAB7FB279BD}"/>
+              </a:ext>
+            </a:extLst>
+          </p:cNvPr>
+          <p:cNvSpPr txBox="1"/>
+          <p:nvPr/>
+        </p:nvSpPr>
+        <p:spPr>
+          <a:xfrm>
+            <a:off x="2560320" y="4875940"/>
+            <a:ext cx="1825449" cy="523220"/>
+          </a:xfrm>
+          <a:prstGeom prst="rect">
+            <a:avLst/>
+          </a:prstGeom>
+          <a:noFill/>
+        </p:spPr>
+        <p:txBody>
+          <a:bodyPr wrap="square" rtlCol="0" anchor="ctr">
+            <a:spAutoFit/>
+          </a:bodyPr>
+          <a:lstStyle/>
+          <a:p>
+            <a:pPr algn="ctr"/>
+            <a:r>
+              <a:rPr lang="de-DE" sz="2800">
+                <a:effectLst>
+                  <a:outerShdw blurRad="38100" dist="38100" dir="2700000" algn="tl">
+                    <a:srgbClr val="000000">
+                      <a:alpha val="43137"/>
+                    </a:srgbClr>
+                  </a:outerShdw>
+                </a:effectLst>
+                <a:latin typeface="Roboto Medium" panose="02000000000000000000" pitchFamily="2" charset="0"/>
+                <a:ea typeface="Roboto Medium" panose="02000000000000000000" pitchFamily="2" charset="0"/>
+              </a:rPr>
+              <a:t>SQLite</a:t>
+            </a:r>
+            <a:endParaRPr lang="de-DE">
+              <a:effectLst>
+                <a:outerShdw blurRad="38100" dist="38100" dir="2700000" algn="tl">
+                  <a:srgbClr val="000000">
+                    <a:alpha val="43137"/>
+                  </a:srgbClr>
+                </a:outerShdw>
+              </a:effectLst>
+              <a:latin typeface="Roboto Medium" panose="02000000000000000000" pitchFamily="2" charset="0"/>
+              <a:ea typeface="Roboto Medium" panose="02000000000000000000" pitchFamily="2" charset="0"/>
+            </a:endParaRPr>
+          </a:p>
+        </p:txBody>
+      </p:sp>
+      <p:sp>
+        <p:nvSpPr>
+          <p:cNvPr id="89" name="Rechteck 88">
+            <a:extLst>
+              <a:ext uri="{FF2B5EF4-FFF2-40B4-BE49-F238E27FC236}">
+                <a16:creationId xmlns:a16="http://schemas.microsoft.com/office/drawing/2014/main" id="{7F7FFD16-04A6-43C8-85C0-BEFD58C592F0}"/>
               </a:ext>
             </a:extLst>
           </p:cNvPr>
@@ -11960,11 +11906,131 @@
           <p:nvPr/>
         </p:nvSpPr>
         <p:spPr>
-          <a:xfrm rot="16200000">
-            <a:off x="-227056" y="3498927"/>
-            <a:ext cx="1853920" cy="869546"/>
-          </a:xfrm>
-          <a:prstGeom prst="triangle">
+          <a:xfrm>
+            <a:off x="998590" y="6295610"/>
+            <a:ext cx="3710132" cy="390340"/>
+          </a:xfrm>
+          <a:prstGeom prst="rect">
+            <a:avLst/>
+          </a:prstGeom>
+          <a:noFill/>
+          <a:ln w="9525" cap="flat" cmpd="sng" algn="ctr">
+            <a:solidFill>
+              <a:schemeClr val="accent1"/>
+            </a:solidFill>
+            <a:prstDash val="solid"/>
+            <a:round/>
+            <a:headEnd type="none" w="med" len="med"/>
+            <a:tailEnd type="none" w="med" len="med"/>
+          </a:ln>
+        </p:spPr>
+        <p:style>
+          <a:lnRef idx="0">
+            <a:scrgbClr r="0" g="0" b="0"/>
+          </a:lnRef>
+          <a:fillRef idx="0">
+            <a:scrgbClr r="0" g="0" b="0"/>
+          </a:fillRef>
+          <a:effectRef idx="0">
+            <a:scrgbClr r="0" g="0" b="0"/>
+          </a:effectRef>
+          <a:fontRef idx="minor">
+            <a:schemeClr val="accent1"/>
+          </a:fontRef>
+        </p:style>
+        <p:txBody>
+          <a:bodyPr rtlCol="0" anchor="ctr"/>
+          <a:lstStyle/>
+          <a:p>
+            <a:pPr algn="ctr"/>
+            <a:r>
+              <a:rPr lang="de-DE">
+                <a:latin typeface="Roboto Medium" panose="02000000000000000000" pitchFamily="2" charset="0"/>
+                <a:ea typeface="Roboto Medium" panose="02000000000000000000" pitchFamily="2" charset="0"/>
+              </a:rPr>
+              <a:t>Client: Message Transfer (old)</a:t>
+            </a:r>
+          </a:p>
+        </p:txBody>
+      </p:sp>
+      <p:sp>
+        <p:nvSpPr>
+          <p:cNvPr id="90" name="Rechteck 89">
+            <a:extLst>
+              <a:ext uri="{FF2B5EF4-FFF2-40B4-BE49-F238E27FC236}">
+                <a16:creationId xmlns:a16="http://schemas.microsoft.com/office/drawing/2014/main" id="{5C76AC69-6AE8-4A5E-9B49-807910830E84}"/>
+              </a:ext>
+            </a:extLst>
+          </p:cNvPr>
+          <p:cNvSpPr/>
+          <p:nvPr/>
+        </p:nvSpPr>
+        <p:spPr>
+          <a:xfrm>
+            <a:off x="7942810" y="6295610"/>
+            <a:ext cx="3453503" cy="390340"/>
+          </a:xfrm>
+          <a:prstGeom prst="rect">
+            <a:avLst/>
+          </a:prstGeom>
+          <a:noFill/>
+          <a:ln w="9525" cap="flat" cmpd="sng" algn="ctr">
+            <a:solidFill>
+              <a:schemeClr val="accent1"/>
+            </a:solidFill>
+            <a:prstDash val="solid"/>
+            <a:round/>
+            <a:headEnd type="none" w="med" len="med"/>
+            <a:tailEnd type="none" w="med" len="med"/>
+          </a:ln>
+        </p:spPr>
+        <p:style>
+          <a:lnRef idx="0">
+            <a:scrgbClr r="0" g="0" b="0"/>
+          </a:lnRef>
+          <a:fillRef idx="0">
+            <a:scrgbClr r="0" g="0" b="0"/>
+          </a:fillRef>
+          <a:effectRef idx="0">
+            <a:scrgbClr r="0" g="0" b="0"/>
+          </a:effectRef>
+          <a:fontRef idx="minor">
+            <a:schemeClr val="accent1"/>
+          </a:fontRef>
+        </p:style>
+        <p:txBody>
+          <a:bodyPr rtlCol="0" anchor="ctr"/>
+          <a:lstStyle/>
+          <a:p>
+            <a:pPr algn="ctr"/>
+            <a:r>
+              <a:rPr lang="de-DE">
+                <a:latin typeface="Roboto Medium" panose="02000000000000000000" pitchFamily="2" charset="0"/>
+                <a:ea typeface="Roboto Medium" panose="02000000000000000000" pitchFamily="2" charset="0"/>
+              </a:rPr>
+              <a:t>Server: Message Transfer (old)</a:t>
+            </a:r>
+          </a:p>
+        </p:txBody>
+      </p:sp>
+      <p:sp>
+        <p:nvSpPr>
+          <p:cNvPr id="17" name="Rechteck 16">
+            <a:extLst>
+              <a:ext uri="{FF2B5EF4-FFF2-40B4-BE49-F238E27FC236}">
+                <a16:creationId xmlns:a16="http://schemas.microsoft.com/office/drawing/2014/main" id="{7F0CDD3D-DC75-44EA-B18F-A3B6D7F55631}"/>
+              </a:ext>
+            </a:extLst>
+          </p:cNvPr>
+          <p:cNvSpPr/>
+          <p:nvPr/>
+        </p:nvSpPr>
+        <p:spPr>
+          <a:xfrm>
+            <a:off x="10064751" y="1391669"/>
+            <a:ext cx="1212742" cy="716970"/>
+          </a:xfrm>
+          <a:prstGeom prst="rect">
             <a:avLst/>
           </a:prstGeom>
         </p:spPr>
@@ -11994,51 +12060,9 @@
                 <a:latin typeface="Roboto Medium" panose="02000000000000000000" pitchFamily="2" charset="0"/>
                 <a:ea typeface="Roboto Medium" panose="02000000000000000000" pitchFamily="2" charset="0"/>
               </a:rPr>
-              <a:t>Message List</a:t>
-            </a:r>
-          </a:p>
-        </p:txBody>
-      </p:sp>
-      <p:sp>
-        <p:nvSpPr>
-          <p:cNvPr id="80" name="Gleichschenkliges Dreieck 79">
-            <a:extLst>
-              <a:ext uri="{FF2B5EF4-FFF2-40B4-BE49-F238E27FC236}">
-                <a16:creationId xmlns:a16="http://schemas.microsoft.com/office/drawing/2014/main" id="{AA488369-24D7-4D98-8C9A-0AB281F4F80D}"/>
-              </a:ext>
-            </a:extLst>
-          </p:cNvPr>
-          <p:cNvSpPr/>
-          <p:nvPr/>
-        </p:nvSpPr>
-        <p:spPr>
-          <a:xfrm rot="5400000">
-            <a:off x="-193499" y="932666"/>
-            <a:ext cx="1853918" cy="869546"/>
-          </a:xfrm>
-          <a:prstGeom prst="triangle">
-            <a:avLst/>
-          </a:prstGeom>
-        </p:spPr>
-        <p:style>
-          <a:lnRef idx="2">
-            <a:schemeClr val="accent2">
-              <a:shade val="50000"/>
-            </a:schemeClr>
-          </a:lnRef>
-          <a:fillRef idx="1">
-            <a:schemeClr val="accent2"/>
-          </a:fillRef>
-          <a:effectRef idx="0">
-            <a:schemeClr val="accent2"/>
-          </a:effectRef>
-          <a:fontRef idx="minor">
-            <a:schemeClr val="lt1"/>
-          </a:fontRef>
-        </p:style>
-        <p:txBody>
-          <a:bodyPr rtlCol="0" anchor="ctr"/>
-          <a:lstStyle/>
+              <a:t>Message</a:t>
+            </a:r>
+          </a:p>
           <a:p>
             <a:pPr algn="ctr"/>
             <a:r>
@@ -12046,294 +12070,8 @@
                 <a:latin typeface="Roboto Medium" panose="02000000000000000000" pitchFamily="2" charset="0"/>
                 <a:ea typeface="Roboto Medium" panose="02000000000000000000" pitchFamily="2" charset="0"/>
               </a:rPr>
-              <a:t>Send</a:t>
-            </a:r>
-          </a:p>
-          <a:p>
-            <a:pPr algn="ctr"/>
-            <a:r>
-              <a:rPr lang="de-DE" sz="1400">
-                <a:latin typeface="Roboto Medium" panose="02000000000000000000" pitchFamily="2" charset="0"/>
-                <a:ea typeface="Roboto Medium" panose="02000000000000000000" pitchFamily="2" charset="0"/>
-              </a:rPr>
-              <a:t>Queue</a:t>
-            </a:r>
-          </a:p>
-        </p:txBody>
-      </p:sp>
-      <p:cxnSp>
-        <p:nvCxnSpPr>
-          <p:cNvPr id="86" name="Verbinder: gewinkelt 85">
-            <a:extLst>
-              <a:ext uri="{FF2B5EF4-FFF2-40B4-BE49-F238E27FC236}">
-                <a16:creationId xmlns:a16="http://schemas.microsoft.com/office/drawing/2014/main" id="{268CE183-4711-449A-B58A-E678F94E5B8F}"/>
-              </a:ext>
-            </a:extLst>
-          </p:cNvPr>
-          <p:cNvCxnSpPr>
-            <a:cxnSpLocks/>
-            <a:stCxn id="80" idx="0"/>
-            <a:endCxn id="13" idx="1"/>
-          </p:cNvCxnSpPr>
-          <p:nvPr/>
-        </p:nvCxnSpPr>
-        <p:spPr>
-          <a:xfrm flipV="1">
-            <a:off x="1168233" y="815526"/>
-            <a:ext cx="2133232" cy="551913"/>
-          </a:xfrm>
-          <a:prstGeom prst="bentConnector3">
-            <a:avLst/>
-          </a:prstGeom>
-          <a:ln w="57150">
-            <a:tailEnd type="triangle"/>
-          </a:ln>
-        </p:spPr>
-        <p:style>
-          <a:lnRef idx="1">
-            <a:schemeClr val="accent4"/>
-          </a:lnRef>
-          <a:fillRef idx="0">
-            <a:schemeClr val="accent4"/>
-          </a:fillRef>
-          <a:effectRef idx="0">
-            <a:schemeClr val="accent4"/>
-          </a:effectRef>
-          <a:fontRef idx="minor">
-            <a:schemeClr val="tx1"/>
-          </a:fontRef>
-        </p:style>
-      </p:cxnSp>
-      <p:sp>
-        <p:nvSpPr>
-          <p:cNvPr id="87" name="Textfeld 86">
-            <a:extLst>
-              <a:ext uri="{FF2B5EF4-FFF2-40B4-BE49-F238E27FC236}">
-                <a16:creationId xmlns:a16="http://schemas.microsoft.com/office/drawing/2014/main" id="{FED30CBC-3B5C-461C-A6D0-4BAB7FB279BD}"/>
-              </a:ext>
-            </a:extLst>
-          </p:cNvPr>
-          <p:cNvSpPr txBox="1"/>
-          <p:nvPr/>
-        </p:nvSpPr>
-        <p:spPr>
-          <a:xfrm>
-            <a:off x="2560320" y="4875940"/>
-            <a:ext cx="1825449" cy="523220"/>
-          </a:xfrm>
-          <a:prstGeom prst="rect">
-            <a:avLst/>
-          </a:prstGeom>
-          <a:noFill/>
-        </p:spPr>
-        <p:txBody>
-          <a:bodyPr wrap="square" rtlCol="0" anchor="ctr">
-            <a:spAutoFit/>
-          </a:bodyPr>
-          <a:lstStyle/>
-          <a:p>
-            <a:pPr algn="ctr"/>
-            <a:r>
-              <a:rPr lang="de-DE" sz="2800">
-                <a:effectLst>
-                  <a:outerShdw blurRad="38100" dist="38100" dir="2700000" algn="tl">
-                    <a:srgbClr val="000000">
-                      <a:alpha val="43137"/>
-                    </a:srgbClr>
-                  </a:outerShdw>
-                </a:effectLst>
-                <a:latin typeface="Roboto Medium" panose="02000000000000000000" pitchFamily="2" charset="0"/>
-                <a:ea typeface="Roboto Medium" panose="02000000000000000000" pitchFamily="2" charset="0"/>
-              </a:rPr>
-              <a:t>SQLite</a:t>
-            </a:r>
-            <a:endParaRPr lang="de-DE">
-              <a:effectLst>
-                <a:outerShdw blurRad="38100" dist="38100" dir="2700000" algn="tl">
-                  <a:srgbClr val="000000">
-                    <a:alpha val="43137"/>
-                  </a:srgbClr>
-                </a:outerShdw>
-              </a:effectLst>
-              <a:latin typeface="Roboto Medium" panose="02000000000000000000" pitchFamily="2" charset="0"/>
-              <a:ea typeface="Roboto Medium" panose="02000000000000000000" pitchFamily="2" charset="0"/>
-            </a:endParaRPr>
-          </a:p>
-        </p:txBody>
-      </p:sp>
-      <p:sp>
-        <p:nvSpPr>
-          <p:cNvPr id="89" name="Rechteck 88">
-            <a:extLst>
-              <a:ext uri="{FF2B5EF4-FFF2-40B4-BE49-F238E27FC236}">
-                <a16:creationId xmlns:a16="http://schemas.microsoft.com/office/drawing/2014/main" id="{7F7FFD16-04A6-43C8-85C0-BEFD58C592F0}"/>
-              </a:ext>
-            </a:extLst>
-          </p:cNvPr>
-          <p:cNvSpPr/>
-          <p:nvPr/>
-        </p:nvSpPr>
-        <p:spPr>
-          <a:xfrm>
-            <a:off x="998590" y="6295610"/>
-            <a:ext cx="3710132" cy="390340"/>
-          </a:xfrm>
-          <a:prstGeom prst="rect">
-            <a:avLst/>
-          </a:prstGeom>
-          <a:noFill/>
-          <a:ln w="9525" cap="flat" cmpd="sng" algn="ctr">
-            <a:solidFill>
-              <a:schemeClr val="accent1"/>
-            </a:solidFill>
-            <a:prstDash val="solid"/>
-            <a:round/>
-            <a:headEnd type="none" w="med" len="med"/>
-            <a:tailEnd type="none" w="med" len="med"/>
-          </a:ln>
-        </p:spPr>
-        <p:style>
-          <a:lnRef idx="0">
-            <a:scrgbClr r="0" g="0" b="0"/>
-          </a:lnRef>
-          <a:fillRef idx="0">
-            <a:scrgbClr r="0" g="0" b="0"/>
-          </a:fillRef>
-          <a:effectRef idx="0">
-            <a:scrgbClr r="0" g="0" b="0"/>
-          </a:effectRef>
-          <a:fontRef idx="minor">
-            <a:schemeClr val="accent1"/>
-          </a:fontRef>
-        </p:style>
-        <p:txBody>
-          <a:bodyPr rtlCol="0" anchor="ctr"/>
-          <a:lstStyle/>
-          <a:p>
-            <a:pPr algn="ctr"/>
-            <a:r>
-              <a:rPr lang="de-DE">
-                <a:latin typeface="Roboto Medium" panose="02000000000000000000" pitchFamily="2" charset="0"/>
-                <a:ea typeface="Roboto Medium" panose="02000000000000000000" pitchFamily="2" charset="0"/>
-              </a:rPr>
-              <a:t>Client: Message Transfer (old)</a:t>
-            </a:r>
-          </a:p>
-        </p:txBody>
-      </p:sp>
-      <p:sp>
-        <p:nvSpPr>
-          <p:cNvPr id="90" name="Rechteck 89">
-            <a:extLst>
-              <a:ext uri="{FF2B5EF4-FFF2-40B4-BE49-F238E27FC236}">
-                <a16:creationId xmlns:a16="http://schemas.microsoft.com/office/drawing/2014/main" id="{5C76AC69-6AE8-4A5E-9B49-807910830E84}"/>
-              </a:ext>
-            </a:extLst>
-          </p:cNvPr>
-          <p:cNvSpPr/>
-          <p:nvPr/>
-        </p:nvSpPr>
-        <p:spPr>
-          <a:xfrm>
-            <a:off x="7942810" y="6295610"/>
-            <a:ext cx="3453503" cy="390340"/>
-          </a:xfrm>
-          <a:prstGeom prst="rect">
-            <a:avLst/>
-          </a:prstGeom>
-          <a:noFill/>
-          <a:ln w="9525" cap="flat" cmpd="sng" algn="ctr">
-            <a:solidFill>
-              <a:schemeClr val="accent1"/>
-            </a:solidFill>
-            <a:prstDash val="solid"/>
-            <a:round/>
-            <a:headEnd type="none" w="med" len="med"/>
-            <a:tailEnd type="none" w="med" len="med"/>
-          </a:ln>
-        </p:spPr>
-        <p:style>
-          <a:lnRef idx="0">
-            <a:scrgbClr r="0" g="0" b="0"/>
-          </a:lnRef>
-          <a:fillRef idx="0">
-            <a:scrgbClr r="0" g="0" b="0"/>
-          </a:fillRef>
-          <a:effectRef idx="0">
-            <a:scrgbClr r="0" g="0" b="0"/>
-          </a:effectRef>
-          <a:fontRef idx="minor">
-            <a:schemeClr val="accent1"/>
-          </a:fontRef>
-        </p:style>
-        <p:txBody>
-          <a:bodyPr rtlCol="0" anchor="ctr"/>
-          <a:lstStyle/>
-          <a:p>
-            <a:pPr algn="ctr"/>
-            <a:r>
-              <a:rPr lang="de-DE">
-                <a:latin typeface="Roboto Medium" panose="02000000000000000000" pitchFamily="2" charset="0"/>
-                <a:ea typeface="Roboto Medium" panose="02000000000000000000" pitchFamily="2" charset="0"/>
-              </a:rPr>
-              <a:t>Server: Message Transfer (old)</a:t>
-            </a:r>
-          </a:p>
-        </p:txBody>
-      </p:sp>
-      <p:sp>
-        <p:nvSpPr>
-          <p:cNvPr id="17" name="Rechteck 16">
-            <a:extLst>
-              <a:ext uri="{FF2B5EF4-FFF2-40B4-BE49-F238E27FC236}">
-                <a16:creationId xmlns:a16="http://schemas.microsoft.com/office/drawing/2014/main" id="{7F0CDD3D-DC75-44EA-B18F-A3B6D7F55631}"/>
-              </a:ext>
-            </a:extLst>
-          </p:cNvPr>
-          <p:cNvSpPr/>
-          <p:nvPr/>
-        </p:nvSpPr>
-        <p:spPr>
-          <a:xfrm>
-            <a:off x="10064751" y="1391669"/>
-            <a:ext cx="1212742" cy="716970"/>
-          </a:xfrm>
-          <a:prstGeom prst="rect">
-            <a:avLst/>
-          </a:prstGeom>
-        </p:spPr>
-        <p:style>
-          <a:lnRef idx="2">
-            <a:schemeClr val="accent2">
-              <a:shade val="50000"/>
-            </a:schemeClr>
-          </a:lnRef>
-          <a:fillRef idx="1">
-            <a:schemeClr val="accent2"/>
-          </a:fillRef>
-          <a:effectRef idx="0">
-            <a:schemeClr val="accent2"/>
-          </a:effectRef>
-          <a:fontRef idx="minor">
-            <a:schemeClr val="lt1"/>
-          </a:fontRef>
-        </p:style>
-        <p:txBody>
-          <a:bodyPr rtlCol="0" anchor="ctr"/>
-          <a:lstStyle/>
-          <a:p>
-            <a:pPr algn="ctr"/>
-            <a:r>
-              <a:rPr lang="de-DE" sz="1400" err="1">
-                <a:latin typeface="Roboto Medium" panose="02000000000000000000" pitchFamily="2" charset="0"/>
-                <a:ea typeface="Roboto Medium" panose="02000000000000000000" pitchFamily="2" charset="0"/>
-              </a:rPr>
-              <a:t>SendQueue</a:t>
-            </a:r>
-            <a:endParaRPr lang="de-DE" sz="1400">
-              <a:latin typeface="Roboto Medium" panose="02000000000000000000" pitchFamily="2" charset="0"/>
-              <a:ea typeface="Roboto Medium" panose="02000000000000000000" pitchFamily="2" charset="0"/>
-            </a:endParaRPr>
+              <a:t>Manager</a:t>
+            </a:r>
           </a:p>
         </p:txBody>
       </p:sp>
@@ -12348,24 +12086,24 @@
           </p:cNvPr>
           <p:cNvCxnSpPr>
             <a:cxnSpLocks/>
-            <a:stCxn id="42" idx="1"/>
-            <a:endCxn id="79" idx="3"/>
+            <a:stCxn id="67" idx="0"/>
+            <a:endCxn id="80" idx="5"/>
           </p:cNvCxnSpPr>
           <p:nvPr/>
         </p:nvCxnSpPr>
         <p:spPr>
-          <a:xfrm rot="10800000">
-            <a:off x="1134677" y="3933701"/>
-            <a:ext cx="968204" cy="373767"/>
+          <a:xfrm rot="16200000" flipV="1">
+            <a:off x="1028722" y="3690573"/>
+            <a:ext cx="1458581" cy="2049104"/>
           </a:xfrm>
           <a:prstGeom prst="bentConnector3">
             <a:avLst>
-              <a:gd name="adj1" fmla="val 50000"/>
+              <a:gd name="adj1" fmla="val 16066"/>
             </a:avLst>
           </a:prstGeom>
           <a:ln w="57150">
             <a:solidFill>
-              <a:srgbClr val="00B0F0"/>
+              <a:srgbClr val="FFC000"/>
             </a:solidFill>
             <a:tailEnd type="triangle"/>
           </a:ln>
@@ -12396,67 +12134,21 @@
           </p:cNvPr>
           <p:cNvCxnSpPr>
             <a:cxnSpLocks/>
-            <a:stCxn id="21" idx="2"/>
-            <a:endCxn id="22" idx="0"/>
+            <a:stCxn id="80" idx="0"/>
+            <a:endCxn id="22" idx="1"/>
           </p:cNvCxnSpPr>
           <p:nvPr/>
         </p:nvCxnSpPr>
         <p:spPr>
-          <a:xfrm rot="16200000" flipH="1">
-            <a:off x="3345345" y="3132906"/>
-            <a:ext cx="606814" cy="1025337"/>
-          </a:xfrm>
-          <a:prstGeom prst="bentConnector3">
+          <a:xfrm>
+            <a:off x="1168233" y="2804049"/>
+            <a:ext cx="934648" cy="1087838"/>
+          </a:xfrm>
+          <a:prstGeom prst="bentConnector5">
             <a:avLst>
-              <a:gd name="adj1" fmla="val 50000"/>
-            </a:avLst>
-          </a:prstGeom>
-          <a:ln w="57150">
-            <a:solidFill>
-              <a:srgbClr val="FFC000"/>
-            </a:solidFill>
-            <a:tailEnd type="triangle"/>
-          </a:ln>
-        </p:spPr>
-        <p:style>
-          <a:lnRef idx="1">
-            <a:schemeClr val="accent1"/>
-          </a:lnRef>
-          <a:fillRef idx="0">
-            <a:schemeClr val="accent1"/>
-          </a:fillRef>
-          <a:effectRef idx="0">
-            <a:schemeClr val="accent1"/>
-          </a:effectRef>
-          <a:fontRef idx="minor">
-            <a:schemeClr val="tx1"/>
-          </a:fontRef>
-        </p:style>
-      </p:cxnSp>
-      <p:cxnSp>
-        <p:nvCxnSpPr>
-          <p:cNvPr id="49" name="Verbinder: gewinkelt 48">
-            <a:extLst>
-              <a:ext uri="{FF2B5EF4-FFF2-40B4-BE49-F238E27FC236}">
-                <a16:creationId xmlns:a16="http://schemas.microsoft.com/office/drawing/2014/main" id="{2FC944CD-80E4-4BFE-98A5-1D44E11D7C7F}"/>
-              </a:ext>
-            </a:extLst>
-          </p:cNvPr>
-          <p:cNvCxnSpPr>
-            <a:cxnSpLocks/>
-            <a:stCxn id="67" idx="0"/>
-            <a:endCxn id="42" idx="2"/>
-          </p:cNvCxnSpPr>
-          <p:nvPr/>
-        </p:nvCxnSpPr>
-        <p:spPr>
-          <a:xfrm rot="16200000" flipV="1">
-            <a:off x="2387807" y="5049658"/>
-            <a:ext cx="778463" cy="11052"/>
-          </a:xfrm>
-          <a:prstGeom prst="bentConnector3">
-            <a:avLst>
-              <a:gd name="adj1" fmla="val 50000"/>
+              <a:gd name="adj1" fmla="val 24458"/>
+              <a:gd name="adj2" fmla="val 100402"/>
+              <a:gd name="adj3" fmla="val 75542"/>
             </a:avLst>
           </a:prstGeom>
           <a:ln w="57150">
@@ -12576,7 +12268,7 @@
                 <a:latin typeface="Roboto Medium" panose="02000000000000000000" pitchFamily="2" charset="0"/>
                 <a:ea typeface="Roboto Medium" panose="02000000000000000000" pitchFamily="2" charset="0"/>
               </a:rPr>
-              <a:t>Datenbank</a:t>
+              <a:t>Database</a:t>
             </a:r>
           </a:p>
         </p:txBody>
@@ -12629,10 +12321,10 @@
       </p:cxnSp>
       <p:sp>
         <p:nvSpPr>
-          <p:cNvPr id="85" name="Textfeld 84">
-            <a:extLst>
-              <a:ext uri="{FF2B5EF4-FFF2-40B4-BE49-F238E27FC236}">
-                <a16:creationId xmlns:a16="http://schemas.microsoft.com/office/drawing/2014/main" id="{53F8C80B-6849-46DF-9D8E-0A2054CCA22C}"/>
+          <p:cNvPr id="91" name="Textfeld 90">
+            <a:extLst>
+              <a:ext uri="{FF2B5EF4-FFF2-40B4-BE49-F238E27FC236}">
+                <a16:creationId xmlns:a16="http://schemas.microsoft.com/office/drawing/2014/main" id="{FB8F3D7B-3EEC-41E0-A10E-3A07D3341F5C}"/>
               </a:ext>
             </a:extLst>
           </p:cNvPr>
@@ -12641,8 +12333,8 @@
         </p:nvSpPr>
         <p:spPr>
           <a:xfrm>
-            <a:off x="-7425" y="800245"/>
-            <a:ext cx="3078489" cy="338554"/>
+            <a:off x="8317817" y="2193262"/>
+            <a:ext cx="3078489" cy="584775"/>
           </a:xfrm>
           <a:prstGeom prst="rect">
             <a:avLst/>
@@ -12681,159 +12373,7 @@
                 <a:latin typeface="Roboto Medium" panose="02000000000000000000" pitchFamily="2" charset="0"/>
                 <a:ea typeface="Roboto Medium" panose="02000000000000000000" pitchFamily="2" charset="0"/>
               </a:rPr>
-              <a:t>Poll Message</a:t>
-            </a:r>
-            <a:endParaRPr lang="de-DE">
-              <a:solidFill>
-                <a:schemeClr val="tx1">
-                  <a:lumMod val="95000"/>
-                  <a:lumOff val="5000"/>
-                </a:schemeClr>
-              </a:solidFill>
-              <a:effectLst>
-                <a:outerShdw blurRad="38100" dist="38100" dir="2700000" algn="tl">
-                  <a:srgbClr val="000000">
-                    <a:alpha val="43137"/>
-                  </a:srgbClr>
-                </a:outerShdw>
-              </a:effectLst>
-              <a:latin typeface="Roboto Medium" panose="02000000000000000000" pitchFamily="2" charset="0"/>
-              <a:ea typeface="Roboto Medium" panose="02000000000000000000" pitchFamily="2" charset="0"/>
-            </a:endParaRPr>
-          </a:p>
-        </p:txBody>
-      </p:sp>
-      <p:sp>
-        <p:nvSpPr>
-          <p:cNvPr id="88" name="Textfeld 87">
-            <a:extLst>
-              <a:ext uri="{FF2B5EF4-FFF2-40B4-BE49-F238E27FC236}">
-                <a16:creationId xmlns:a16="http://schemas.microsoft.com/office/drawing/2014/main" id="{A35D1D7C-38D4-43B3-ACB8-936D11F238B6}"/>
-              </a:ext>
-            </a:extLst>
-          </p:cNvPr>
-          <p:cNvSpPr txBox="1"/>
-          <p:nvPr/>
-        </p:nvSpPr>
-        <p:spPr>
-          <a:xfrm>
-            <a:off x="2853656" y="3226200"/>
-            <a:ext cx="3078489" cy="338554"/>
-          </a:xfrm>
-          <a:prstGeom prst="rect">
-            <a:avLst/>
-          </a:prstGeom>
-          <a:noFill/>
-          <a:effectLst>
-            <a:outerShdw blurRad="63500" sx="102000" sy="102000" algn="ctr" rotWithShape="0">
-              <a:prstClr val="black">
-                <a:alpha val="40000"/>
-              </a:prstClr>
-            </a:outerShdw>
-          </a:effectLst>
-        </p:spPr>
-        <p:txBody>
-          <a:bodyPr wrap="square" rtlCol="0" anchor="ctr">
-            <a:spAutoFit/>
-          </a:bodyPr>
-          <a:lstStyle/>
-          <a:p>
-            <a:pPr algn="ctr"/>
-            <a:r>
-              <a:rPr lang="de-DE" sz="1600">
-                <a:solidFill>
-                  <a:schemeClr val="tx1">
-                    <a:lumMod val="95000"/>
-                    <a:lumOff val="5000"/>
-                  </a:schemeClr>
-                </a:solidFill>
-                <a:effectLst>
-                  <a:outerShdw blurRad="38100" dist="38100" dir="2700000" algn="tl">
-                    <a:srgbClr val="000000">
-                      <a:alpha val="43137"/>
-                    </a:srgbClr>
-                  </a:outerShdw>
-                </a:effectLst>
-                <a:latin typeface="Roboto Medium" panose="02000000000000000000" pitchFamily="2" charset="0"/>
-                <a:ea typeface="Roboto Medium" panose="02000000000000000000" pitchFamily="2" charset="0"/>
-              </a:rPr>
-              <a:t>Poll message</a:t>
-            </a:r>
-            <a:endParaRPr lang="de-DE">
-              <a:solidFill>
-                <a:schemeClr val="tx1">
-                  <a:lumMod val="95000"/>
-                  <a:lumOff val="5000"/>
-                </a:schemeClr>
-              </a:solidFill>
-              <a:effectLst>
-                <a:outerShdw blurRad="38100" dist="38100" dir="2700000" algn="tl">
-                  <a:srgbClr val="000000">
-                    <a:alpha val="43137"/>
-                  </a:srgbClr>
-                </a:outerShdw>
-              </a:effectLst>
-              <a:latin typeface="Roboto Medium" panose="02000000000000000000" pitchFamily="2" charset="0"/>
-              <a:ea typeface="Roboto Medium" panose="02000000000000000000" pitchFamily="2" charset="0"/>
-            </a:endParaRPr>
-          </a:p>
-        </p:txBody>
-      </p:sp>
-      <p:sp>
-        <p:nvSpPr>
-          <p:cNvPr id="91" name="Textfeld 90">
-            <a:extLst>
-              <a:ext uri="{FF2B5EF4-FFF2-40B4-BE49-F238E27FC236}">
-                <a16:creationId xmlns:a16="http://schemas.microsoft.com/office/drawing/2014/main" id="{FB8F3D7B-3EEC-41E0-A10E-3A07D3341F5C}"/>
-              </a:ext>
-            </a:extLst>
-          </p:cNvPr>
-          <p:cNvSpPr txBox="1"/>
-          <p:nvPr/>
-        </p:nvSpPr>
-        <p:spPr>
-          <a:xfrm>
-            <a:off x="8317817" y="2215456"/>
-            <a:ext cx="3078489" cy="338554"/>
-          </a:xfrm>
-          <a:prstGeom prst="rect">
-            <a:avLst/>
-          </a:prstGeom>
-          <a:noFill/>
-          <a:effectLst>
-            <a:outerShdw blurRad="63500" sx="102000" sy="102000" algn="ctr" rotWithShape="0">
-              <a:prstClr val="black">
-                <a:alpha val="40000"/>
-              </a:prstClr>
-            </a:outerShdw>
-          </a:effectLst>
-        </p:spPr>
-        <p:txBody>
-          <a:bodyPr wrap="square" rtlCol="0" anchor="ctr">
-            <a:spAutoFit/>
-          </a:bodyPr>
-          <a:lstStyle/>
-          <a:p>
-            <a:pPr algn="ctr"/>
-            <a:r>
-              <a:rPr lang="de-DE" sz="1600">
-                <a:solidFill>
-                  <a:schemeClr val="tx1">
-                    <a:lumMod val="95000"/>
-                    <a:lumOff val="5000"/>
-                  </a:schemeClr>
-                </a:solidFill>
-                <a:effectLst>
-                  <a:outerShdw blurRad="38100" dist="38100" dir="2700000" algn="tl">
-                    <a:srgbClr val="000000">
-                      <a:alpha val="43137"/>
-                    </a:srgbClr>
-                  </a:outerShdw>
-                </a:effectLst>
-                <a:latin typeface="Roboto Medium" panose="02000000000000000000" pitchFamily="2" charset="0"/>
-                <a:ea typeface="Roboto Medium" panose="02000000000000000000" pitchFamily="2" charset="0"/>
-              </a:rPr>
-              <a:t>Poll message</a:t>
+              <a:t>Poll messages to send to client(id)</a:t>
             </a:r>
             <a:endParaRPr lang="de-DE">
               <a:solidFill>
@@ -12945,8 +12485,8 @@
         </p:nvSpPr>
         <p:spPr>
           <a:xfrm>
-            <a:off x="415938" y="4999244"/>
-            <a:ext cx="3078489" cy="338554"/>
+            <a:off x="-256637" y="4727094"/>
+            <a:ext cx="2693968" cy="584775"/>
           </a:xfrm>
           <a:prstGeom prst="rect">
             <a:avLst/>
@@ -12987,6 +12527,29 @@
               </a:rPr>
               <a:t>Get messages</a:t>
             </a:r>
+          </a:p>
+          <a:p>
+            <a:pPr algn="ctr"/>
+            <a:r>
+              <a:rPr lang="de-DE" sz="1600">
+                <a:solidFill>
+                  <a:schemeClr val="tx1">
+                    <a:lumMod val="95000"/>
+                    <a:lumOff val="5000"/>
+                  </a:schemeClr>
+                </a:solidFill>
+                <a:effectLst>
+                  <a:outerShdw blurRad="38100" dist="38100" dir="2700000" algn="tl">
+                    <a:srgbClr val="000000">
+                      <a:alpha val="43137"/>
+                    </a:srgbClr>
+                  </a:outerShdw>
+                </a:effectLst>
+                <a:latin typeface="Roboto Medium" panose="02000000000000000000" pitchFamily="2" charset="0"/>
+                <a:ea typeface="Roboto Medium" panose="02000000000000000000" pitchFamily="2" charset="0"/>
+              </a:rPr>
+              <a:t>on startup</a:t>
+            </a:r>
             <a:endParaRPr lang="de-DE">
               <a:solidFill>
                 <a:schemeClr val="tx1">
@@ -13021,8 +12584,8 @@
         </p:nvSpPr>
         <p:spPr>
           <a:xfrm>
-            <a:off x="3411439" y="5266412"/>
-            <a:ext cx="3078489" cy="338554"/>
+            <a:off x="2990623" y="5414441"/>
+            <a:ext cx="3078489" cy="584775"/>
           </a:xfrm>
           <a:prstGeom prst="rect">
             <a:avLst/>
@@ -13061,7 +12624,30 @@
                 <a:latin typeface="Roboto Medium" panose="02000000000000000000" pitchFamily="2" charset="0"/>
                 <a:ea typeface="Roboto Medium" panose="02000000000000000000" pitchFamily="2" charset="0"/>
               </a:rPr>
-              <a:t>Add message</a:t>
+              <a:t>Add message to db</a:t>
+            </a:r>
+          </a:p>
+          <a:p>
+            <a:pPr algn="ctr"/>
+            <a:r>
+              <a:rPr lang="de-DE" sz="1600">
+                <a:solidFill>
+                  <a:schemeClr val="tx1">
+                    <a:lumMod val="95000"/>
+                    <a:lumOff val="5000"/>
+                  </a:schemeClr>
+                </a:solidFill>
+                <a:effectLst>
+                  <a:outerShdw blurRad="38100" dist="38100" dir="2700000" algn="tl">
+                    <a:srgbClr val="000000">
+                      <a:alpha val="43137"/>
+                    </a:srgbClr>
+                  </a:outerShdw>
+                </a:effectLst>
+                <a:latin typeface="Roboto Medium" panose="02000000000000000000" pitchFamily="2" charset="0"/>
+                <a:ea typeface="Roboto Medium" panose="02000000000000000000" pitchFamily="2" charset="0"/>
+              </a:rPr>
+              <a:t>Update message in db</a:t>
             </a:r>
             <a:endParaRPr lang="de-DE">
               <a:solidFill>
@@ -13097,7 +12683,7 @@
         </p:nvSpPr>
         <p:spPr>
           <a:xfrm>
-            <a:off x="826308" y="2164676"/>
+            <a:off x="235359" y="461691"/>
             <a:ext cx="3078489" cy="338554"/>
           </a:xfrm>
           <a:prstGeom prst="rect">
@@ -13137,83 +12723,7 @@
                 <a:latin typeface="Roboto Medium" panose="02000000000000000000" pitchFamily="2" charset="0"/>
                 <a:ea typeface="Roboto Medium" panose="02000000000000000000" pitchFamily="2" charset="0"/>
               </a:rPr>
-              <a:t>Add message</a:t>
-            </a:r>
-            <a:endParaRPr lang="de-DE">
-              <a:solidFill>
-                <a:schemeClr val="tx1">
-                  <a:lumMod val="95000"/>
-                  <a:lumOff val="5000"/>
-                </a:schemeClr>
-              </a:solidFill>
-              <a:effectLst>
-                <a:outerShdw blurRad="38100" dist="38100" dir="2700000" algn="tl">
-                  <a:srgbClr val="000000">
-                    <a:alpha val="43137"/>
-                  </a:srgbClr>
-                </a:outerShdw>
-              </a:effectLst>
-              <a:latin typeface="Roboto Medium" panose="02000000000000000000" pitchFamily="2" charset="0"/>
-              <a:ea typeface="Roboto Medium" panose="02000000000000000000" pitchFamily="2" charset="0"/>
-            </a:endParaRPr>
-          </a:p>
-        </p:txBody>
-      </p:sp>
-      <p:sp>
-        <p:nvSpPr>
-          <p:cNvPr id="96" name="Textfeld 95">
-            <a:extLst>
-              <a:ext uri="{FF2B5EF4-FFF2-40B4-BE49-F238E27FC236}">
-                <a16:creationId xmlns:a16="http://schemas.microsoft.com/office/drawing/2014/main" id="{0D8B5E53-8857-487E-97EF-8B9BFD560BD1}"/>
-              </a:ext>
-            </a:extLst>
-          </p:cNvPr>
-          <p:cNvSpPr txBox="1"/>
-          <p:nvPr/>
-        </p:nvSpPr>
-        <p:spPr>
-          <a:xfrm>
-            <a:off x="344511" y="3548776"/>
-            <a:ext cx="3078489" cy="338554"/>
-          </a:xfrm>
-          <a:prstGeom prst="rect">
-            <a:avLst/>
-          </a:prstGeom>
-          <a:noFill/>
-          <a:effectLst>
-            <a:outerShdw blurRad="63500" sx="102000" sy="102000" algn="ctr" rotWithShape="0">
-              <a:prstClr val="black">
-                <a:alpha val="40000"/>
-              </a:prstClr>
-            </a:outerShdw>
-          </a:effectLst>
-        </p:spPr>
-        <p:txBody>
-          <a:bodyPr wrap="square" rtlCol="0" anchor="ctr">
-            <a:spAutoFit/>
-          </a:bodyPr>
-          <a:lstStyle/>
-          <a:p>
-            <a:pPr algn="ctr"/>
-            <a:r>
-              <a:rPr lang="de-DE" sz="1600">
-                <a:solidFill>
-                  <a:schemeClr val="tx1">
-                    <a:lumMod val="95000"/>
-                    <a:lumOff val="5000"/>
-                  </a:schemeClr>
-                </a:solidFill>
-                <a:effectLst>
-                  <a:outerShdw blurRad="38100" dist="38100" dir="2700000" algn="tl">
-                    <a:srgbClr val="000000">
-                      <a:alpha val="43137"/>
-                    </a:srgbClr>
-                  </a:outerShdw>
-                </a:effectLst>
-                <a:latin typeface="Roboto Medium" panose="02000000000000000000" pitchFamily="2" charset="0"/>
-                <a:ea typeface="Roboto Medium" panose="02000000000000000000" pitchFamily="2" charset="0"/>
-              </a:rPr>
-              <a:t>Add message</a:t>
+              <a:t>Get message to send</a:t>
             </a:r>
             <a:endParaRPr lang="de-DE">
               <a:solidFill>
@@ -13434,6 +12944,254 @@
           </a:fontRef>
         </p:style>
       </p:cxnSp>
+      <p:sp>
+        <p:nvSpPr>
+          <p:cNvPr id="56" name="Textfeld 55">
+            <a:extLst>
+              <a:ext uri="{FF2B5EF4-FFF2-40B4-BE49-F238E27FC236}">
+                <a16:creationId xmlns:a16="http://schemas.microsoft.com/office/drawing/2014/main" id="{8A0CD288-FE51-41FC-98A9-E2567373C928}"/>
+              </a:ext>
+            </a:extLst>
+          </p:cNvPr>
+          <p:cNvSpPr txBox="1"/>
+          <p:nvPr/>
+        </p:nvSpPr>
+        <p:spPr>
+          <a:xfrm>
+            <a:off x="1276724" y="2636623"/>
+            <a:ext cx="3078489" cy="338554"/>
+          </a:xfrm>
+          <a:prstGeom prst="rect">
+            <a:avLst/>
+          </a:prstGeom>
+          <a:noFill/>
+          <a:effectLst>
+            <a:outerShdw blurRad="63500" sx="102000" sy="102000" algn="ctr" rotWithShape="0">
+              <a:prstClr val="black">
+                <a:alpha val="40000"/>
+              </a:prstClr>
+            </a:outerShdw>
+          </a:effectLst>
+        </p:spPr>
+        <p:txBody>
+          <a:bodyPr wrap="square" rtlCol="0" anchor="ctr">
+            <a:spAutoFit/>
+          </a:bodyPr>
+          <a:lstStyle/>
+          <a:p>
+            <a:pPr algn="ctr"/>
+            <a:r>
+              <a:rPr lang="de-DE" sz="1600">
+                <a:solidFill>
+                  <a:schemeClr val="tx1">
+                    <a:lumMod val="95000"/>
+                    <a:lumOff val="5000"/>
+                  </a:schemeClr>
+                </a:solidFill>
+                <a:effectLst>
+                  <a:outerShdw blurRad="38100" dist="38100" dir="2700000" algn="tl">
+                    <a:srgbClr val="000000">
+                      <a:alpha val="43137"/>
+                    </a:srgbClr>
+                  </a:outerShdw>
+                </a:effectLst>
+                <a:latin typeface="Roboto Medium" panose="02000000000000000000" pitchFamily="2" charset="0"/>
+                <a:ea typeface="Roboto Medium" panose="02000000000000000000" pitchFamily="2" charset="0"/>
+              </a:rPr>
+              <a:t>Get message to store/update</a:t>
+            </a:r>
+            <a:endParaRPr lang="de-DE">
+              <a:solidFill>
+                <a:schemeClr val="tx1">
+                  <a:lumMod val="95000"/>
+                  <a:lumOff val="5000"/>
+                </a:schemeClr>
+              </a:solidFill>
+              <a:effectLst>
+                <a:outerShdw blurRad="38100" dist="38100" dir="2700000" algn="tl">
+                  <a:srgbClr val="000000">
+                    <a:alpha val="43137"/>
+                  </a:srgbClr>
+                </a:outerShdw>
+              </a:effectLst>
+              <a:latin typeface="Roboto Medium" panose="02000000000000000000" pitchFamily="2" charset="0"/>
+              <a:ea typeface="Roboto Medium" panose="02000000000000000000" pitchFamily="2" charset="0"/>
+            </a:endParaRPr>
+          </a:p>
+        </p:txBody>
+      </p:sp>
+      <p:cxnSp>
+        <p:nvCxnSpPr>
+          <p:cNvPr id="60" name="Verbinder: gewinkelt 59">
+            <a:extLst>
+              <a:ext uri="{FF2B5EF4-FFF2-40B4-BE49-F238E27FC236}">
+                <a16:creationId xmlns:a16="http://schemas.microsoft.com/office/drawing/2014/main" id="{643D930E-3F97-4855-AEBC-9CC1A8F682B6}"/>
+              </a:ext>
+            </a:extLst>
+          </p:cNvPr>
+          <p:cNvCxnSpPr>
+            <a:cxnSpLocks/>
+            <a:stCxn id="13" idx="2"/>
+            <a:endCxn id="80" idx="1"/>
+          </p:cNvCxnSpPr>
+          <p:nvPr/>
+        </p:nvCxnSpPr>
+        <p:spPr>
+          <a:xfrm rot="5400000">
+            <a:off x="2159918" y="-252446"/>
+            <a:ext cx="448254" cy="3301169"/>
+          </a:xfrm>
+          <a:prstGeom prst="bentConnector3">
+            <a:avLst>
+              <a:gd name="adj1" fmla="val 20056"/>
+            </a:avLst>
+          </a:prstGeom>
+          <a:ln w="57150">
+            <a:solidFill>
+              <a:srgbClr val="00B0F0"/>
+            </a:solidFill>
+            <a:tailEnd type="triangle"/>
+          </a:ln>
+        </p:spPr>
+        <p:style>
+          <a:lnRef idx="1">
+            <a:schemeClr val="accent1"/>
+          </a:lnRef>
+          <a:fillRef idx="0">
+            <a:schemeClr val="accent1"/>
+          </a:fillRef>
+          <a:effectRef idx="0">
+            <a:schemeClr val="accent1"/>
+          </a:effectRef>
+          <a:fontRef idx="minor">
+            <a:schemeClr val="tx1"/>
+          </a:fontRef>
+        </p:style>
+      </p:cxnSp>
+      <p:cxnSp>
+        <p:nvCxnSpPr>
+          <p:cNvPr id="63" name="Verbinder: gewinkelt 62">
+            <a:extLst>
+              <a:ext uri="{FF2B5EF4-FFF2-40B4-BE49-F238E27FC236}">
+                <a16:creationId xmlns:a16="http://schemas.microsoft.com/office/drawing/2014/main" id="{9835AED9-5E70-4556-9BC9-E46DF64A2039}"/>
+              </a:ext>
+            </a:extLst>
+          </p:cNvPr>
+          <p:cNvCxnSpPr>
+            <a:cxnSpLocks/>
+            <a:stCxn id="14" idx="2"/>
+            <a:endCxn id="80" idx="1"/>
+          </p:cNvCxnSpPr>
+          <p:nvPr/>
+        </p:nvCxnSpPr>
+        <p:spPr>
+          <a:xfrm rot="5400000" flipH="1">
+            <a:off x="2149262" y="206464"/>
+            <a:ext cx="469565" cy="3301169"/>
+          </a:xfrm>
+          <a:prstGeom prst="bentConnector3">
+            <a:avLst>
+              <a:gd name="adj1" fmla="val -23248"/>
+            </a:avLst>
+          </a:prstGeom>
+          <a:ln w="57150">
+            <a:solidFill>
+              <a:srgbClr val="00B0F0"/>
+            </a:solidFill>
+            <a:tailEnd type="triangle"/>
+          </a:ln>
+        </p:spPr>
+        <p:style>
+          <a:lnRef idx="1">
+            <a:schemeClr val="accent1"/>
+          </a:lnRef>
+          <a:fillRef idx="0">
+            <a:schemeClr val="accent1"/>
+          </a:fillRef>
+          <a:effectRef idx="0">
+            <a:schemeClr val="accent1"/>
+          </a:effectRef>
+          <a:fontRef idx="minor">
+            <a:schemeClr val="tx1"/>
+          </a:fontRef>
+        </p:style>
+      </p:cxnSp>
+      <p:sp>
+        <p:nvSpPr>
+          <p:cNvPr id="70" name="Textfeld 69">
+            <a:extLst>
+              <a:ext uri="{FF2B5EF4-FFF2-40B4-BE49-F238E27FC236}">
+                <a16:creationId xmlns:a16="http://schemas.microsoft.com/office/drawing/2014/main" id="{5F992E79-1467-4F3F-AF65-E8563308527E}"/>
+              </a:ext>
+            </a:extLst>
+          </p:cNvPr>
+          <p:cNvSpPr txBox="1"/>
+          <p:nvPr/>
+        </p:nvSpPr>
+        <p:spPr>
+          <a:xfrm>
+            <a:off x="454708" y="1531118"/>
+            <a:ext cx="3078489" cy="338554"/>
+          </a:xfrm>
+          <a:prstGeom prst="rect">
+            <a:avLst/>
+          </a:prstGeom>
+          <a:noFill/>
+          <a:effectLst>
+            <a:outerShdw blurRad="63500" sx="102000" sy="102000" algn="ctr" rotWithShape="0">
+              <a:prstClr val="black">
+                <a:alpha val="40000"/>
+              </a:prstClr>
+            </a:outerShdw>
+          </a:effectLst>
+        </p:spPr>
+        <p:txBody>
+          <a:bodyPr wrap="square" rtlCol="0" anchor="ctr">
+            <a:spAutoFit/>
+          </a:bodyPr>
+          <a:lstStyle/>
+          <a:p>
+            <a:pPr algn="ctr"/>
+            <a:r>
+              <a:rPr lang="de-DE" sz="1600">
+                <a:solidFill>
+                  <a:schemeClr val="tx1">
+                    <a:lumMod val="95000"/>
+                    <a:lumOff val="5000"/>
+                  </a:schemeClr>
+                </a:solidFill>
+                <a:effectLst>
+                  <a:outerShdw blurRad="38100" dist="38100" dir="2700000" algn="tl">
+                    <a:srgbClr val="000000">
+                      <a:alpha val="43137"/>
+                    </a:srgbClr>
+                  </a:outerShdw>
+                </a:effectLst>
+                <a:latin typeface="Roboto Medium" panose="02000000000000000000" pitchFamily="2" charset="0"/>
+                <a:ea typeface="Roboto Medium" panose="02000000000000000000" pitchFamily="2" charset="0"/>
+              </a:rPr>
+              <a:t>Add / Change messages</a:t>
+            </a:r>
+            <a:endParaRPr lang="de-DE">
+              <a:solidFill>
+                <a:schemeClr val="tx1">
+                  <a:lumMod val="95000"/>
+                  <a:lumOff val="5000"/>
+                </a:schemeClr>
+              </a:solidFill>
+              <a:effectLst>
+                <a:outerShdw blurRad="38100" dist="38100" dir="2700000" algn="tl">
+                  <a:srgbClr val="000000">
+                    <a:alpha val="43137"/>
+                  </a:srgbClr>
+                </a:outerShdw>
+              </a:effectLst>
+              <a:latin typeface="Roboto Medium" panose="02000000000000000000" pitchFamily="2" charset="0"/>
+              <a:ea typeface="Roboto Medium" panose="02000000000000000000" pitchFamily="2" charset="0"/>
+            </a:endParaRPr>
+          </a:p>
+        </p:txBody>
+      </p:sp>
     </p:spTree>
     <p:extLst>
       <p:ext uri="{BB962C8B-B14F-4D97-AF65-F5344CB8AC3E}">
@@ -13505,10 +13263,10 @@
       </p:cxnSp>
       <p:sp>
         <p:nvSpPr>
-          <p:cNvPr id="7" name="Rechteck 6">
-            <a:extLst>
-              <a:ext uri="{FF2B5EF4-FFF2-40B4-BE49-F238E27FC236}">
-                <a16:creationId xmlns:a16="http://schemas.microsoft.com/office/drawing/2014/main" id="{CB1961FB-49D3-4536-BB77-3E8EA3CBF647}"/>
+          <p:cNvPr id="8" name="Rechteck 7">
+            <a:extLst>
+              <a:ext uri="{FF2B5EF4-FFF2-40B4-BE49-F238E27FC236}">
+                <a16:creationId xmlns:a16="http://schemas.microsoft.com/office/drawing/2014/main" id="{A74245E2-68D4-4147-848E-2BF73C207747}"/>
               </a:ext>
             </a:extLst>
           </p:cNvPr>
@@ -13517,8 +13275,8 @@
         </p:nvSpPr>
         <p:spPr>
           <a:xfrm>
-            <a:off x="8317817" y="343948"/>
-            <a:ext cx="3078496" cy="2293838"/>
+            <a:off x="1993954" y="329292"/>
+            <a:ext cx="2893864" cy="1853918"/>
           </a:xfrm>
           <a:prstGeom prst="rect">
             <a:avLst/>
@@ -13561,10 +13319,10 @@
       </p:sp>
       <p:sp>
         <p:nvSpPr>
-          <p:cNvPr id="8" name="Rechteck 7">
-            <a:extLst>
-              <a:ext uri="{FF2B5EF4-FFF2-40B4-BE49-F238E27FC236}">
-                <a16:creationId xmlns:a16="http://schemas.microsoft.com/office/drawing/2014/main" id="{A74245E2-68D4-4147-848E-2BF73C207747}"/>
+          <p:cNvPr id="13" name="Rechteck 12">
+            <a:extLst>
+              <a:ext uri="{FF2B5EF4-FFF2-40B4-BE49-F238E27FC236}">
+                <a16:creationId xmlns:a16="http://schemas.microsoft.com/office/drawing/2014/main" id="{19228D35-9D92-450C-9FE1-7021FA2E7B27}"/>
               </a:ext>
             </a:extLst>
           </p:cNvPr>
@@ -13573,8 +13331,120 @@
         </p:nvSpPr>
         <p:spPr>
           <a:xfrm>
-            <a:off x="1993954" y="329292"/>
-            <a:ext cx="2893864" cy="1853918"/>
+            <a:off x="3301465" y="457041"/>
+            <a:ext cx="1466327" cy="716970"/>
+          </a:xfrm>
+          <a:prstGeom prst="rect">
+            <a:avLst/>
+          </a:prstGeom>
+        </p:spPr>
+        <p:style>
+          <a:lnRef idx="2">
+            <a:schemeClr val="accent6">
+              <a:shade val="50000"/>
+            </a:schemeClr>
+          </a:lnRef>
+          <a:fillRef idx="1">
+            <a:schemeClr val="accent6"/>
+          </a:fillRef>
+          <a:effectRef idx="0">
+            <a:schemeClr val="accent6"/>
+          </a:effectRef>
+          <a:fontRef idx="minor">
+            <a:schemeClr val="lt1"/>
+          </a:fontRef>
+        </p:style>
+        <p:txBody>
+          <a:bodyPr rtlCol="0" anchor="ctr"/>
+          <a:lstStyle/>
+          <a:p>
+            <a:pPr algn="ctr"/>
+            <a:r>
+              <a:rPr lang="de-DE" sz="1400" err="1">
+                <a:latin typeface="Roboto Medium" panose="02000000000000000000" pitchFamily="2" charset="0"/>
+                <a:ea typeface="Roboto Medium" panose="02000000000000000000" pitchFamily="2" charset="0"/>
+              </a:rPr>
+              <a:t>SendService</a:t>
+            </a:r>
+            <a:endParaRPr lang="de-DE" sz="1400">
+              <a:latin typeface="Roboto Medium" panose="02000000000000000000" pitchFamily="2" charset="0"/>
+              <a:ea typeface="Roboto Medium" panose="02000000000000000000" pitchFamily="2" charset="0"/>
+            </a:endParaRPr>
+          </a:p>
+        </p:txBody>
+      </p:sp>
+      <p:sp>
+        <p:nvSpPr>
+          <p:cNvPr id="14" name="Rechteck 13">
+            <a:extLst>
+              <a:ext uri="{FF2B5EF4-FFF2-40B4-BE49-F238E27FC236}">
+                <a16:creationId xmlns:a16="http://schemas.microsoft.com/office/drawing/2014/main" id="{01AF9F2E-4594-42ED-8681-092B344BEF8A}"/>
+              </a:ext>
+            </a:extLst>
+          </p:cNvPr>
+          <p:cNvSpPr/>
+          <p:nvPr/>
+        </p:nvSpPr>
+        <p:spPr>
+          <a:xfrm>
+            <a:off x="3301465" y="1374860"/>
+            <a:ext cx="1466327" cy="716970"/>
+          </a:xfrm>
+          <a:prstGeom prst="rect">
+            <a:avLst/>
+          </a:prstGeom>
+        </p:spPr>
+        <p:style>
+          <a:lnRef idx="2">
+            <a:schemeClr val="accent6">
+              <a:shade val="50000"/>
+            </a:schemeClr>
+          </a:lnRef>
+          <a:fillRef idx="1">
+            <a:schemeClr val="accent6"/>
+          </a:fillRef>
+          <a:effectRef idx="0">
+            <a:schemeClr val="accent6"/>
+          </a:effectRef>
+          <a:fontRef idx="minor">
+            <a:schemeClr val="lt1"/>
+          </a:fontRef>
+        </p:style>
+        <p:txBody>
+          <a:bodyPr rtlCol="0" anchor="ctr"/>
+          <a:lstStyle/>
+          <a:p>
+            <a:pPr algn="ctr"/>
+            <a:r>
+              <a:rPr lang="de-DE" sz="1400" err="1">
+                <a:latin typeface="Roboto Medium" panose="02000000000000000000" pitchFamily="2" charset="0"/>
+                <a:ea typeface="Roboto Medium" panose="02000000000000000000" pitchFamily="2" charset="0"/>
+              </a:rPr>
+              <a:t>ReceiveService</a:t>
+            </a:r>
+            <a:endParaRPr lang="de-DE" sz="1400">
+              <a:latin typeface="Roboto Medium" panose="02000000000000000000" pitchFamily="2" charset="0"/>
+              <a:ea typeface="Roboto Medium" panose="02000000000000000000" pitchFamily="2" charset="0"/>
+            </a:endParaRPr>
+          </a:p>
+        </p:txBody>
+      </p:sp>
+      <p:sp>
+        <p:nvSpPr>
+          <p:cNvPr id="20" name="Rechteck 19">
+            <a:extLst>
+              <a:ext uri="{FF2B5EF4-FFF2-40B4-BE49-F238E27FC236}">
+                <a16:creationId xmlns:a16="http://schemas.microsoft.com/office/drawing/2014/main" id="{7EF17ABA-15C7-48CD-9AE1-5AD09EF9F8F7}"/>
+              </a:ext>
+            </a:extLst>
+          </p:cNvPr>
+          <p:cNvSpPr/>
+          <p:nvPr/>
+        </p:nvSpPr>
+        <p:spPr>
+          <a:xfrm>
+            <a:off x="1965514" y="3006741"/>
+            <a:ext cx="2917186" cy="1853918"/>
           </a:xfrm>
           <a:prstGeom prst="rect">
             <a:avLst/>
@@ -13615,286 +13485,6 @@
           </a:p>
         </p:txBody>
       </p:sp>
-      <p:sp>
-        <p:nvSpPr>
-          <p:cNvPr id="13" name="Rechteck 12">
-            <a:extLst>
-              <a:ext uri="{FF2B5EF4-FFF2-40B4-BE49-F238E27FC236}">
-                <a16:creationId xmlns:a16="http://schemas.microsoft.com/office/drawing/2014/main" id="{19228D35-9D92-450C-9FE1-7021FA2E7B27}"/>
-              </a:ext>
-            </a:extLst>
-          </p:cNvPr>
-          <p:cNvSpPr/>
-          <p:nvPr/>
-        </p:nvSpPr>
-        <p:spPr>
-          <a:xfrm>
-            <a:off x="3301465" y="457041"/>
-            <a:ext cx="1466327" cy="716970"/>
-          </a:xfrm>
-          <a:prstGeom prst="rect">
-            <a:avLst/>
-          </a:prstGeom>
-        </p:spPr>
-        <p:style>
-          <a:lnRef idx="2">
-            <a:schemeClr val="accent6">
-              <a:shade val="50000"/>
-            </a:schemeClr>
-          </a:lnRef>
-          <a:fillRef idx="1">
-            <a:schemeClr val="accent6"/>
-          </a:fillRef>
-          <a:effectRef idx="0">
-            <a:schemeClr val="accent6"/>
-          </a:effectRef>
-          <a:fontRef idx="minor">
-            <a:schemeClr val="lt1"/>
-          </a:fontRef>
-        </p:style>
-        <p:txBody>
-          <a:bodyPr rtlCol="0" anchor="ctr"/>
-          <a:lstStyle/>
-          <a:p>
-            <a:pPr algn="ctr"/>
-            <a:r>
-              <a:rPr lang="de-DE" sz="1400" err="1">
-                <a:latin typeface="Roboto Medium" panose="02000000000000000000" pitchFamily="2" charset="0"/>
-                <a:ea typeface="Roboto Medium" panose="02000000000000000000" pitchFamily="2" charset="0"/>
-              </a:rPr>
-              <a:t>SendService</a:t>
-            </a:r>
-            <a:endParaRPr lang="de-DE" sz="1400">
-              <a:latin typeface="Roboto Medium" panose="02000000000000000000" pitchFamily="2" charset="0"/>
-              <a:ea typeface="Roboto Medium" panose="02000000000000000000" pitchFamily="2" charset="0"/>
-            </a:endParaRPr>
-          </a:p>
-        </p:txBody>
-      </p:sp>
-      <p:sp>
-        <p:nvSpPr>
-          <p:cNvPr id="14" name="Rechteck 13">
-            <a:extLst>
-              <a:ext uri="{FF2B5EF4-FFF2-40B4-BE49-F238E27FC236}">
-                <a16:creationId xmlns:a16="http://schemas.microsoft.com/office/drawing/2014/main" id="{01AF9F2E-4594-42ED-8681-092B344BEF8A}"/>
-              </a:ext>
-            </a:extLst>
-          </p:cNvPr>
-          <p:cNvSpPr/>
-          <p:nvPr/>
-        </p:nvSpPr>
-        <p:spPr>
-          <a:xfrm>
-            <a:off x="3301465" y="1374860"/>
-            <a:ext cx="1466327" cy="716970"/>
-          </a:xfrm>
-          <a:prstGeom prst="rect">
-            <a:avLst/>
-          </a:prstGeom>
-        </p:spPr>
-        <p:style>
-          <a:lnRef idx="2">
-            <a:schemeClr val="accent6">
-              <a:shade val="50000"/>
-            </a:schemeClr>
-          </a:lnRef>
-          <a:fillRef idx="1">
-            <a:schemeClr val="accent6"/>
-          </a:fillRef>
-          <a:effectRef idx="0">
-            <a:schemeClr val="accent6"/>
-          </a:effectRef>
-          <a:fontRef idx="minor">
-            <a:schemeClr val="lt1"/>
-          </a:fontRef>
-        </p:style>
-        <p:txBody>
-          <a:bodyPr rtlCol="0" anchor="ctr"/>
-          <a:lstStyle/>
-          <a:p>
-            <a:pPr algn="ctr"/>
-            <a:r>
-              <a:rPr lang="de-DE" sz="1400" err="1">
-                <a:latin typeface="Roboto Medium" panose="02000000000000000000" pitchFamily="2" charset="0"/>
-                <a:ea typeface="Roboto Medium" panose="02000000000000000000" pitchFamily="2" charset="0"/>
-              </a:rPr>
-              <a:t>ReceiveService</a:t>
-            </a:r>
-            <a:endParaRPr lang="de-DE" sz="1400">
-              <a:latin typeface="Roboto Medium" panose="02000000000000000000" pitchFamily="2" charset="0"/>
-              <a:ea typeface="Roboto Medium" panose="02000000000000000000" pitchFamily="2" charset="0"/>
-            </a:endParaRPr>
-          </a:p>
-        </p:txBody>
-      </p:sp>
-      <p:sp>
-        <p:nvSpPr>
-          <p:cNvPr id="15" name="Rechteck 14">
-            <a:extLst>
-              <a:ext uri="{FF2B5EF4-FFF2-40B4-BE49-F238E27FC236}">
-                <a16:creationId xmlns:a16="http://schemas.microsoft.com/office/drawing/2014/main" id="{4D030556-51E1-4257-8949-E64DA5D11313}"/>
-              </a:ext>
-            </a:extLst>
-          </p:cNvPr>
-          <p:cNvSpPr/>
-          <p:nvPr/>
-        </p:nvSpPr>
-        <p:spPr>
-          <a:xfrm>
-            <a:off x="8437843" y="442817"/>
-            <a:ext cx="1466326" cy="740762"/>
-          </a:xfrm>
-          <a:prstGeom prst="rect">
-            <a:avLst/>
-          </a:prstGeom>
-        </p:spPr>
-        <p:style>
-          <a:lnRef idx="2">
-            <a:schemeClr val="accent6">
-              <a:shade val="50000"/>
-            </a:schemeClr>
-          </a:lnRef>
-          <a:fillRef idx="1">
-            <a:schemeClr val="accent6"/>
-          </a:fillRef>
-          <a:effectRef idx="0">
-            <a:schemeClr val="accent6"/>
-          </a:effectRef>
-          <a:fontRef idx="minor">
-            <a:schemeClr val="lt1"/>
-          </a:fontRef>
-        </p:style>
-        <p:txBody>
-          <a:bodyPr rtlCol="0" anchor="ctr"/>
-          <a:lstStyle/>
-          <a:p>
-            <a:pPr algn="ctr"/>
-            <a:r>
-              <a:rPr lang="de-DE" sz="1400" err="1">
-                <a:latin typeface="Roboto Medium" panose="02000000000000000000" pitchFamily="2" charset="0"/>
-                <a:ea typeface="Roboto Medium" panose="02000000000000000000" pitchFamily="2" charset="0"/>
-              </a:rPr>
-              <a:t>ReceiveService</a:t>
-            </a:r>
-            <a:endParaRPr lang="de-DE" sz="1400">
-              <a:latin typeface="Roboto Medium" panose="02000000000000000000" pitchFamily="2" charset="0"/>
-              <a:ea typeface="Roboto Medium" panose="02000000000000000000" pitchFamily="2" charset="0"/>
-            </a:endParaRPr>
-          </a:p>
-        </p:txBody>
-      </p:sp>
-      <p:sp>
-        <p:nvSpPr>
-          <p:cNvPr id="16" name="Rechteck 15">
-            <a:extLst>
-              <a:ext uri="{FF2B5EF4-FFF2-40B4-BE49-F238E27FC236}">
-                <a16:creationId xmlns:a16="http://schemas.microsoft.com/office/drawing/2014/main" id="{C399BD46-D88F-4434-8D3B-B0AA480C67AB}"/>
-              </a:ext>
-            </a:extLst>
-          </p:cNvPr>
-          <p:cNvSpPr/>
-          <p:nvPr/>
-        </p:nvSpPr>
-        <p:spPr>
-          <a:xfrm>
-            <a:off x="8456995" y="1369943"/>
-            <a:ext cx="1327148" cy="716970"/>
-          </a:xfrm>
-          <a:prstGeom prst="rect">
-            <a:avLst/>
-          </a:prstGeom>
-        </p:spPr>
-        <p:style>
-          <a:lnRef idx="2">
-            <a:schemeClr val="accent6">
-              <a:shade val="50000"/>
-            </a:schemeClr>
-          </a:lnRef>
-          <a:fillRef idx="1">
-            <a:schemeClr val="accent6"/>
-          </a:fillRef>
-          <a:effectRef idx="0">
-            <a:schemeClr val="accent6"/>
-          </a:effectRef>
-          <a:fontRef idx="minor">
-            <a:schemeClr val="lt1"/>
-          </a:fontRef>
-        </p:style>
-        <p:txBody>
-          <a:bodyPr rtlCol="0" anchor="ctr"/>
-          <a:lstStyle/>
-          <a:p>
-            <a:pPr algn="ctr"/>
-            <a:r>
-              <a:rPr lang="de-DE" sz="1400" err="1">
-                <a:latin typeface="Roboto Medium" panose="02000000000000000000" pitchFamily="2" charset="0"/>
-                <a:ea typeface="Roboto Medium" panose="02000000000000000000" pitchFamily="2" charset="0"/>
-              </a:rPr>
-              <a:t>SendService</a:t>
-            </a:r>
-            <a:endParaRPr lang="de-DE" sz="1400">
-              <a:latin typeface="Roboto Medium" panose="02000000000000000000" pitchFamily="2" charset="0"/>
-              <a:ea typeface="Roboto Medium" panose="02000000000000000000" pitchFamily="2" charset="0"/>
-            </a:endParaRPr>
-          </a:p>
-        </p:txBody>
-      </p:sp>
-      <p:sp>
-        <p:nvSpPr>
-          <p:cNvPr id="20" name="Rechteck 19">
-            <a:extLst>
-              <a:ext uri="{FF2B5EF4-FFF2-40B4-BE49-F238E27FC236}">
-                <a16:creationId xmlns:a16="http://schemas.microsoft.com/office/drawing/2014/main" id="{7EF17ABA-15C7-48CD-9AE1-5AD09EF9F8F7}"/>
-              </a:ext>
-            </a:extLst>
-          </p:cNvPr>
-          <p:cNvSpPr/>
-          <p:nvPr/>
-        </p:nvSpPr>
-        <p:spPr>
-          <a:xfrm>
-            <a:off x="1965514" y="3006741"/>
-            <a:ext cx="2917186" cy="1853918"/>
-          </a:xfrm>
-          <a:prstGeom prst="rect">
-            <a:avLst/>
-          </a:prstGeom>
-          <a:effectLst>
-            <a:outerShdw blurRad="266700" sx="102000" sy="102000" algn="ctr" rotWithShape="0">
-              <a:prstClr val="black">
-                <a:alpha val="18000"/>
-              </a:prstClr>
-            </a:outerShdw>
-          </a:effectLst>
-        </p:spPr>
-        <p:style>
-          <a:lnRef idx="2">
-            <a:schemeClr val="accent1">
-              <a:shade val="50000"/>
-            </a:schemeClr>
-          </a:lnRef>
-          <a:fillRef idx="1">
-            <a:schemeClr val="accent1"/>
-          </a:fillRef>
-          <a:effectRef idx="0">
-            <a:schemeClr val="accent1"/>
-          </a:effectRef>
-          <a:fontRef idx="minor">
-            <a:schemeClr val="lt1"/>
-          </a:fontRef>
-        </p:style>
-        <p:txBody>
-          <a:bodyPr rtlCol="0" anchor="ctr"/>
-          <a:lstStyle/>
-          <a:p>
-            <a:pPr algn="ctr"/>
-            <a:endParaRPr lang="de-DE" sz="1400">
-              <a:latin typeface="Roboto Medium" panose="02000000000000000000" pitchFamily="2" charset="0"/>
-              <a:ea typeface="Roboto Medium" panose="02000000000000000000" pitchFamily="2" charset="0"/>
-            </a:endParaRPr>
-          </a:p>
-        </p:txBody>
-      </p:sp>
       <p:cxnSp>
         <p:nvCxnSpPr>
           <p:cNvPr id="34" name="Verbinder: gewinkelt 33">
@@ -13906,7 +13496,6 @@
           </p:cNvPr>
           <p:cNvCxnSpPr>
             <a:cxnSpLocks/>
-            <a:stCxn id="16" idx="1"/>
             <a:endCxn id="14" idx="3"/>
           </p:cNvCxnSpPr>
           <p:nvPr/>
@@ -13934,154 +13523,6 @@
           </a:fillRef>
           <a:effectRef idx="0">
             <a:schemeClr val="accent6"/>
-          </a:effectRef>
-          <a:fontRef idx="minor">
-            <a:schemeClr val="tx1"/>
-          </a:fontRef>
-        </p:style>
-      </p:cxnSp>
-      <p:sp>
-        <p:nvSpPr>
-          <p:cNvPr id="42" name="Rechteck 41">
-            <a:extLst>
-              <a:ext uri="{FF2B5EF4-FFF2-40B4-BE49-F238E27FC236}">
-                <a16:creationId xmlns:a16="http://schemas.microsoft.com/office/drawing/2014/main" id="{3D54A2EA-8C2B-4B01-86C1-8146A318E477}"/>
-              </a:ext>
-            </a:extLst>
-          </p:cNvPr>
-          <p:cNvSpPr/>
-          <p:nvPr/>
-        </p:nvSpPr>
-        <p:spPr>
-          <a:xfrm>
-            <a:off x="2102881" y="3948982"/>
-            <a:ext cx="1337261" cy="716970"/>
-          </a:xfrm>
-          <a:prstGeom prst="rect">
-            <a:avLst/>
-          </a:prstGeom>
-        </p:spPr>
-        <p:style>
-          <a:lnRef idx="2">
-            <a:schemeClr val="accent6">
-              <a:shade val="50000"/>
-            </a:schemeClr>
-          </a:lnRef>
-          <a:fillRef idx="1">
-            <a:schemeClr val="accent6"/>
-          </a:fillRef>
-          <a:effectRef idx="0">
-            <a:schemeClr val="accent6"/>
-          </a:effectRef>
-          <a:fontRef idx="minor">
-            <a:schemeClr val="lt1"/>
-          </a:fontRef>
-        </p:style>
-        <p:txBody>
-          <a:bodyPr rtlCol="0" anchor="ctr"/>
-          <a:lstStyle/>
-          <a:p>
-            <a:pPr algn="ctr"/>
-            <a:r>
-              <a:rPr lang="de-DE" sz="1400" err="1">
-                <a:latin typeface="Roboto Medium" panose="02000000000000000000" pitchFamily="2" charset="0"/>
-                <a:ea typeface="Roboto Medium" panose="02000000000000000000" pitchFamily="2" charset="0"/>
-              </a:rPr>
-              <a:t>ReadService</a:t>
-            </a:r>
-            <a:endParaRPr lang="de-DE" sz="1400">
-              <a:latin typeface="Roboto Medium" panose="02000000000000000000" pitchFamily="2" charset="0"/>
-              <a:ea typeface="Roboto Medium" panose="02000000000000000000" pitchFamily="2" charset="0"/>
-            </a:endParaRPr>
-          </a:p>
-        </p:txBody>
-      </p:sp>
-      <p:cxnSp>
-        <p:nvCxnSpPr>
-          <p:cNvPr id="48" name="Verbinder: gewinkelt 47">
-            <a:extLst>
-              <a:ext uri="{FF2B5EF4-FFF2-40B4-BE49-F238E27FC236}">
-                <a16:creationId xmlns:a16="http://schemas.microsoft.com/office/drawing/2014/main" id="{9D6B6128-E7CE-4385-B96D-CA604C03C2AF}"/>
-              </a:ext>
-            </a:extLst>
-          </p:cNvPr>
-          <p:cNvCxnSpPr>
-            <a:cxnSpLocks/>
-            <a:stCxn id="13" idx="1"/>
-            <a:endCxn id="21" idx="0"/>
-          </p:cNvCxnSpPr>
-          <p:nvPr/>
-        </p:nvCxnSpPr>
-        <p:spPr>
-          <a:xfrm rot="10800000" flipV="1">
-            <a:off x="3136085" y="815526"/>
-            <a:ext cx="165381" cy="1809672"/>
-          </a:xfrm>
-          <a:prstGeom prst="bentConnector2">
-            <a:avLst/>
-          </a:prstGeom>
-          <a:ln w="57150">
-            <a:solidFill>
-              <a:srgbClr val="00B0F0"/>
-            </a:solidFill>
-            <a:tailEnd type="triangle"/>
-          </a:ln>
-        </p:spPr>
-        <p:style>
-          <a:lnRef idx="1">
-            <a:schemeClr val="accent1"/>
-          </a:lnRef>
-          <a:fillRef idx="0">
-            <a:schemeClr val="accent1"/>
-          </a:fillRef>
-          <a:effectRef idx="0">
-            <a:schemeClr val="accent1"/>
-          </a:effectRef>
-          <a:fontRef idx="minor">
-            <a:schemeClr val="tx1"/>
-          </a:fontRef>
-        </p:style>
-      </p:cxnSp>
-      <p:cxnSp>
-        <p:nvCxnSpPr>
-          <p:cNvPr id="50" name="Verbinder: gewinkelt 49">
-            <a:extLst>
-              <a:ext uri="{FF2B5EF4-FFF2-40B4-BE49-F238E27FC236}">
-                <a16:creationId xmlns:a16="http://schemas.microsoft.com/office/drawing/2014/main" id="{13BDA07A-02E7-4AC7-9F6E-B46708C87D9F}"/>
-              </a:ext>
-            </a:extLst>
-          </p:cNvPr>
-          <p:cNvCxnSpPr>
-            <a:cxnSpLocks/>
-            <a:stCxn id="14" idx="1"/>
-            <a:endCxn id="21" idx="0"/>
-          </p:cNvCxnSpPr>
-          <p:nvPr/>
-        </p:nvCxnSpPr>
-        <p:spPr>
-          <a:xfrm rot="10800000" flipV="1">
-            <a:off x="3136085" y="1733344"/>
-            <a:ext cx="165381" cy="891853"/>
-          </a:xfrm>
-          <a:prstGeom prst="bentConnector2">
-            <a:avLst/>
-          </a:prstGeom>
-          <a:ln w="57150">
-            <a:solidFill>
-              <a:srgbClr val="00B0F0"/>
-            </a:solidFill>
-            <a:tailEnd type="triangle"/>
-          </a:ln>
-        </p:spPr>
-        <p:style>
-          <a:lnRef idx="1">
-            <a:schemeClr val="accent1"/>
-          </a:lnRef>
-          <a:fillRef idx="0">
-            <a:schemeClr val="accent1"/>
-          </a:fillRef>
-          <a:effectRef idx="0">
-            <a:schemeClr val="accent1"/>
           </a:effectRef>
           <a:fontRef idx="minor">
             <a:schemeClr val="tx1"/>
@@ -14166,10 +13607,10 @@
       </p:sp>
       <p:sp>
         <p:nvSpPr>
-          <p:cNvPr id="21" name="Rechteck 20">
-            <a:extLst>
-              <a:ext uri="{FF2B5EF4-FFF2-40B4-BE49-F238E27FC236}">
-                <a16:creationId xmlns:a16="http://schemas.microsoft.com/office/drawing/2014/main" id="{14FF07BE-4622-4C58-8AD8-E674962EEF14}"/>
+          <p:cNvPr id="22" name="Rechteck 21">
+            <a:extLst>
+              <a:ext uri="{FF2B5EF4-FFF2-40B4-BE49-F238E27FC236}">
+                <a16:creationId xmlns:a16="http://schemas.microsoft.com/office/drawing/2014/main" id="{31A45673-A05A-4F32-ABDA-7EED3F5AC1A4}"/>
               </a:ext>
             </a:extLst>
           </p:cNvPr>
@@ -14178,10 +13619,160 @@
         </p:nvSpPr>
         <p:spPr>
           <a:xfrm>
-            <a:off x="2529713" y="2625198"/>
+            <a:off x="2102881" y="3117822"/>
+            <a:ext cx="2664911" cy="1548130"/>
+          </a:xfrm>
+          <a:prstGeom prst="rect">
+            <a:avLst/>
+          </a:prstGeom>
+        </p:spPr>
+        <p:style>
+          <a:lnRef idx="2">
+            <a:schemeClr val="accent6">
+              <a:shade val="50000"/>
+            </a:schemeClr>
+          </a:lnRef>
+          <a:fillRef idx="1">
+            <a:schemeClr val="accent6"/>
+          </a:fillRef>
+          <a:effectRef idx="0">
+            <a:schemeClr val="accent6"/>
+          </a:effectRef>
+          <a:fontRef idx="minor">
+            <a:schemeClr val="lt1"/>
+          </a:fontRef>
+        </p:style>
+        <p:txBody>
+          <a:bodyPr rtlCol="0" anchor="ctr"/>
+          <a:lstStyle/>
+          <a:p>
+            <a:pPr algn="ctr"/>
+            <a:r>
+              <a:rPr lang="de-DE" sz="1400">
+                <a:latin typeface="Roboto Medium" panose="02000000000000000000" pitchFamily="2" charset="0"/>
+                <a:ea typeface="Roboto Medium" panose="02000000000000000000" pitchFamily="2" charset="0"/>
+              </a:rPr>
+              <a:t>DatabaseService</a:t>
+            </a:r>
+          </a:p>
+        </p:txBody>
+      </p:sp>
+      <p:sp>
+        <p:nvSpPr>
+          <p:cNvPr id="67" name="Rechteck 66">
+            <a:extLst>
+              <a:ext uri="{FF2B5EF4-FFF2-40B4-BE49-F238E27FC236}">
+                <a16:creationId xmlns:a16="http://schemas.microsoft.com/office/drawing/2014/main" id="{1D7A00AE-CB40-437A-9A88-11C904B2A2DE}"/>
+              </a:ext>
+            </a:extLst>
+          </p:cNvPr>
+          <p:cNvSpPr/>
+          <p:nvPr/>
+        </p:nvSpPr>
+        <p:spPr>
+          <a:xfrm>
+            <a:off x="2176193" y="5444415"/>
             <a:ext cx="1212742" cy="716970"/>
           </a:xfrm>
           <a:prstGeom prst="rect">
+            <a:avLst/>
+          </a:prstGeom>
+        </p:spPr>
+        <p:style>
+          <a:lnRef idx="2">
+            <a:schemeClr val="accent3">
+              <a:shade val="50000"/>
+            </a:schemeClr>
+          </a:lnRef>
+          <a:fillRef idx="1">
+            <a:schemeClr val="accent3"/>
+          </a:fillRef>
+          <a:effectRef idx="0">
+            <a:schemeClr val="accent3"/>
+          </a:effectRef>
+          <a:fontRef idx="minor">
+            <a:schemeClr val="lt1"/>
+          </a:fontRef>
+        </p:style>
+        <p:txBody>
+          <a:bodyPr rtlCol="0" anchor="ctr"/>
+          <a:lstStyle/>
+          <a:p>
+            <a:pPr algn="ctr"/>
+            <a:r>
+              <a:rPr lang="de-DE" sz="1400">
+                <a:latin typeface="Roboto Medium" panose="02000000000000000000" pitchFamily="2" charset="0"/>
+                <a:ea typeface="Roboto Medium" panose="02000000000000000000" pitchFamily="2" charset="0"/>
+              </a:rPr>
+              <a:t>DBManager</a:t>
+            </a:r>
+          </a:p>
+        </p:txBody>
+      </p:sp>
+      <p:cxnSp>
+        <p:nvCxnSpPr>
+          <p:cNvPr id="71" name="Verbinder: gewinkelt 70">
+            <a:extLst>
+              <a:ext uri="{FF2B5EF4-FFF2-40B4-BE49-F238E27FC236}">
+                <a16:creationId xmlns:a16="http://schemas.microsoft.com/office/drawing/2014/main" id="{238E2458-EBDA-4860-8281-03FB6D10CF1E}"/>
+              </a:ext>
+            </a:extLst>
+          </p:cNvPr>
+          <p:cNvCxnSpPr>
+            <a:cxnSpLocks/>
+            <a:stCxn id="22" idx="2"/>
+            <a:endCxn id="67" idx="3"/>
+          </p:cNvCxnSpPr>
+          <p:nvPr/>
+        </p:nvCxnSpPr>
+        <p:spPr>
+          <a:xfrm rot="5400000">
+            <a:off x="2843662" y="5211225"/>
+            <a:ext cx="1136948" cy="46402"/>
+          </a:xfrm>
+          <a:prstGeom prst="bentConnector2">
+            <a:avLst/>
+          </a:prstGeom>
+          <a:ln w="57150">
+            <a:solidFill>
+              <a:srgbClr val="00B0F0"/>
+            </a:solidFill>
+            <a:tailEnd type="triangle"/>
+          </a:ln>
+        </p:spPr>
+        <p:style>
+          <a:lnRef idx="1">
+            <a:schemeClr val="accent1"/>
+          </a:lnRef>
+          <a:fillRef idx="0">
+            <a:schemeClr val="accent1"/>
+          </a:fillRef>
+          <a:effectRef idx="0">
+            <a:schemeClr val="accent1"/>
+          </a:effectRef>
+          <a:fontRef idx="minor">
+            <a:schemeClr val="tx1"/>
+          </a:fontRef>
+        </p:style>
+      </p:cxnSp>
+      <p:sp>
+        <p:nvSpPr>
+          <p:cNvPr id="80" name="Gleichschenkliges Dreieck 79">
+            <a:extLst>
+              <a:ext uri="{FF2B5EF4-FFF2-40B4-BE49-F238E27FC236}">
+                <a16:creationId xmlns:a16="http://schemas.microsoft.com/office/drawing/2014/main" id="{AA488369-24D7-4D98-8C9A-0AB281F4F80D}"/>
+              </a:ext>
+            </a:extLst>
+          </p:cNvPr>
+          <p:cNvSpPr/>
+          <p:nvPr/>
+        </p:nvSpPr>
+        <p:spPr>
+          <a:xfrm rot="5400000">
+            <a:off x="-1630109" y="2369276"/>
+            <a:ext cx="4727138" cy="869546"/>
+          </a:xfrm>
+          <a:prstGeom prst="triangle">
             <a:avLst/>
           </a:prstGeom>
         </p:spPr>
@@ -14207,283 +13798,11 @@
           <a:p>
             <a:pPr algn="ctr"/>
             <a:r>
-              <a:rPr lang="de-DE" sz="1400" err="1">
-                <a:latin typeface="Roboto Medium" panose="02000000000000000000" pitchFamily="2" charset="0"/>
-                <a:ea typeface="Roboto Medium" panose="02000000000000000000" pitchFamily="2" charset="0"/>
-              </a:rPr>
-              <a:t>StoreQueue</a:t>
-            </a:r>
-            <a:endParaRPr lang="de-DE" sz="1400">
-              <a:latin typeface="Roboto Medium" panose="02000000000000000000" pitchFamily="2" charset="0"/>
-              <a:ea typeface="Roboto Medium" panose="02000000000000000000" pitchFamily="2" charset="0"/>
-            </a:endParaRPr>
-          </a:p>
-        </p:txBody>
-      </p:sp>
-      <p:sp>
-        <p:nvSpPr>
-          <p:cNvPr id="22" name="Rechteck 21">
-            <a:extLst>
-              <a:ext uri="{FF2B5EF4-FFF2-40B4-BE49-F238E27FC236}">
-                <a16:creationId xmlns:a16="http://schemas.microsoft.com/office/drawing/2014/main" id="{31A45673-A05A-4F32-ABDA-7EED3F5AC1A4}"/>
-              </a:ext>
-            </a:extLst>
-          </p:cNvPr>
-          <p:cNvSpPr/>
-          <p:nvPr/>
-        </p:nvSpPr>
-        <p:spPr>
-          <a:xfrm>
-            <a:off x="3555050" y="3948982"/>
-            <a:ext cx="1212742" cy="716970"/>
-          </a:xfrm>
-          <a:prstGeom prst="rect">
-            <a:avLst/>
-          </a:prstGeom>
-        </p:spPr>
-        <p:style>
-          <a:lnRef idx="2">
-            <a:schemeClr val="accent6">
-              <a:shade val="50000"/>
-            </a:schemeClr>
-          </a:lnRef>
-          <a:fillRef idx="1">
-            <a:schemeClr val="accent6"/>
-          </a:fillRef>
-          <a:effectRef idx="0">
-            <a:schemeClr val="accent6"/>
-          </a:effectRef>
-          <a:fontRef idx="minor">
-            <a:schemeClr val="lt1"/>
-          </a:fontRef>
-        </p:style>
-        <p:txBody>
-          <a:bodyPr rtlCol="0" anchor="ctr"/>
-          <a:lstStyle/>
-          <a:p>
-            <a:pPr algn="ctr"/>
-            <a:r>
-              <a:rPr lang="de-DE" sz="1400" err="1">
-                <a:latin typeface="Roboto Medium" panose="02000000000000000000" pitchFamily="2" charset="0"/>
-                <a:ea typeface="Roboto Medium" panose="02000000000000000000" pitchFamily="2" charset="0"/>
-              </a:rPr>
-              <a:t>StoreService</a:t>
-            </a:r>
-            <a:endParaRPr lang="de-DE" sz="1400">
-              <a:latin typeface="Roboto Medium" panose="02000000000000000000" pitchFamily="2" charset="0"/>
-              <a:ea typeface="Roboto Medium" panose="02000000000000000000" pitchFamily="2" charset="0"/>
-            </a:endParaRPr>
-          </a:p>
-        </p:txBody>
-      </p:sp>
-      <p:sp>
-        <p:nvSpPr>
-          <p:cNvPr id="67" name="Rechteck 66">
-            <a:extLst>
-              <a:ext uri="{FF2B5EF4-FFF2-40B4-BE49-F238E27FC236}">
-                <a16:creationId xmlns:a16="http://schemas.microsoft.com/office/drawing/2014/main" id="{1D7A00AE-CB40-437A-9A88-11C904B2A2DE}"/>
-              </a:ext>
-            </a:extLst>
-          </p:cNvPr>
-          <p:cNvSpPr/>
-          <p:nvPr/>
-        </p:nvSpPr>
-        <p:spPr>
-          <a:xfrm>
-            <a:off x="2176193" y="5444415"/>
-            <a:ext cx="1212742" cy="716970"/>
-          </a:xfrm>
-          <a:prstGeom prst="rect">
-            <a:avLst/>
-          </a:prstGeom>
-        </p:spPr>
-        <p:style>
-          <a:lnRef idx="2">
-            <a:schemeClr val="accent3">
-              <a:shade val="50000"/>
-            </a:schemeClr>
-          </a:lnRef>
-          <a:fillRef idx="1">
-            <a:schemeClr val="accent3"/>
-          </a:fillRef>
-          <a:effectRef idx="0">
-            <a:schemeClr val="accent3"/>
-          </a:effectRef>
-          <a:fontRef idx="minor">
-            <a:schemeClr val="lt1"/>
-          </a:fontRef>
-        </p:style>
-        <p:txBody>
-          <a:bodyPr rtlCol="0" anchor="ctr"/>
-          <a:lstStyle/>
-          <a:p>
-            <a:pPr algn="ctr"/>
-            <a:r>
               <a:rPr lang="de-DE" sz="1400">
                 <a:latin typeface="Roboto Medium" panose="02000000000000000000" pitchFamily="2" charset="0"/>
                 <a:ea typeface="Roboto Medium" panose="02000000000000000000" pitchFamily="2" charset="0"/>
               </a:rPr>
-              <a:t>DBManager</a:t>
-            </a:r>
-          </a:p>
-        </p:txBody>
-      </p:sp>
-      <p:cxnSp>
-        <p:nvCxnSpPr>
-          <p:cNvPr id="71" name="Verbinder: gewinkelt 70">
-            <a:extLst>
-              <a:ext uri="{FF2B5EF4-FFF2-40B4-BE49-F238E27FC236}">
-                <a16:creationId xmlns:a16="http://schemas.microsoft.com/office/drawing/2014/main" id="{238E2458-EBDA-4860-8281-03FB6D10CF1E}"/>
-              </a:ext>
-            </a:extLst>
-          </p:cNvPr>
-          <p:cNvCxnSpPr>
-            <a:cxnSpLocks/>
-            <a:stCxn id="22" idx="2"/>
-            <a:endCxn id="67" idx="3"/>
-          </p:cNvCxnSpPr>
-          <p:nvPr/>
-        </p:nvCxnSpPr>
-        <p:spPr>
-          <a:xfrm rot="5400000">
-            <a:off x="3206704" y="4848183"/>
-            <a:ext cx="1136948" cy="772486"/>
-          </a:xfrm>
-          <a:prstGeom prst="bentConnector2">
-            <a:avLst/>
-          </a:prstGeom>
-          <a:ln w="57150">
-            <a:solidFill>
-              <a:srgbClr val="00B0F0"/>
-            </a:solidFill>
-            <a:tailEnd type="triangle"/>
-          </a:ln>
-        </p:spPr>
-        <p:style>
-          <a:lnRef idx="1">
-            <a:schemeClr val="accent1"/>
-          </a:lnRef>
-          <a:fillRef idx="0">
-            <a:schemeClr val="accent1"/>
-          </a:fillRef>
-          <a:effectRef idx="0">
-            <a:schemeClr val="accent1"/>
-          </a:effectRef>
-          <a:fontRef idx="minor">
-            <a:schemeClr val="tx1"/>
-          </a:fontRef>
-        </p:style>
-      </p:cxnSp>
-      <p:sp>
-        <p:nvSpPr>
-          <p:cNvPr id="79" name="Gleichschenkliges Dreieck 78">
-            <a:extLst>
-              <a:ext uri="{FF2B5EF4-FFF2-40B4-BE49-F238E27FC236}">
-                <a16:creationId xmlns:a16="http://schemas.microsoft.com/office/drawing/2014/main" id="{9A26699E-BF04-49E7-808C-8B5AED3524D7}"/>
-              </a:ext>
-            </a:extLst>
-          </p:cNvPr>
-          <p:cNvSpPr/>
-          <p:nvPr/>
-        </p:nvSpPr>
-        <p:spPr>
-          <a:xfrm rot="16200000">
-            <a:off x="-227056" y="3498927"/>
-            <a:ext cx="1853920" cy="869546"/>
-          </a:xfrm>
-          <a:prstGeom prst="triangle">
-            <a:avLst/>
-          </a:prstGeom>
-        </p:spPr>
-        <p:style>
-          <a:lnRef idx="2">
-            <a:schemeClr val="accent2">
-              <a:shade val="50000"/>
-            </a:schemeClr>
-          </a:lnRef>
-          <a:fillRef idx="1">
-            <a:schemeClr val="accent2"/>
-          </a:fillRef>
-          <a:effectRef idx="0">
-            <a:schemeClr val="accent2"/>
-          </a:effectRef>
-          <a:fontRef idx="minor">
-            <a:schemeClr val="lt1"/>
-          </a:fontRef>
-        </p:style>
-        <p:txBody>
-          <a:bodyPr rtlCol="0" anchor="ctr"/>
-          <a:lstStyle/>
-          <a:p>
-            <a:pPr algn="ctr"/>
-            <a:r>
-              <a:rPr lang="de-DE" sz="1400">
-                <a:latin typeface="Roboto Medium" panose="02000000000000000000" pitchFamily="2" charset="0"/>
-                <a:ea typeface="Roboto Medium" panose="02000000000000000000" pitchFamily="2" charset="0"/>
-              </a:rPr>
-              <a:t>Message List</a:t>
-            </a:r>
-          </a:p>
-        </p:txBody>
-      </p:sp>
-      <p:sp>
-        <p:nvSpPr>
-          <p:cNvPr id="80" name="Gleichschenkliges Dreieck 79">
-            <a:extLst>
-              <a:ext uri="{FF2B5EF4-FFF2-40B4-BE49-F238E27FC236}">
-                <a16:creationId xmlns:a16="http://schemas.microsoft.com/office/drawing/2014/main" id="{AA488369-24D7-4D98-8C9A-0AB281F4F80D}"/>
-              </a:ext>
-            </a:extLst>
-          </p:cNvPr>
-          <p:cNvSpPr/>
-          <p:nvPr/>
-        </p:nvSpPr>
-        <p:spPr>
-          <a:xfrm rot="5400000">
-            <a:off x="-222111" y="507726"/>
-            <a:ext cx="1571855" cy="869546"/>
-          </a:xfrm>
-          <a:prstGeom prst="triangle">
-            <a:avLst/>
-          </a:prstGeom>
-        </p:spPr>
-        <p:style>
-          <a:lnRef idx="2">
-            <a:schemeClr val="accent2">
-              <a:shade val="50000"/>
-            </a:schemeClr>
-          </a:lnRef>
-          <a:fillRef idx="1">
-            <a:schemeClr val="accent2"/>
-          </a:fillRef>
-          <a:effectRef idx="0">
-            <a:schemeClr val="accent2"/>
-          </a:effectRef>
-          <a:fontRef idx="minor">
-            <a:schemeClr val="lt1"/>
-          </a:fontRef>
-        </p:style>
-        <p:txBody>
-          <a:bodyPr rtlCol="0" anchor="ctr"/>
-          <a:lstStyle/>
-          <a:p>
-            <a:pPr algn="ctr"/>
-            <a:r>
-              <a:rPr lang="de-DE" sz="1400">
-                <a:latin typeface="Roboto Medium" panose="02000000000000000000" pitchFamily="2" charset="0"/>
-                <a:ea typeface="Roboto Medium" panose="02000000000000000000" pitchFamily="2" charset="0"/>
-              </a:rPr>
-              <a:t>Send</a:t>
-            </a:r>
-          </a:p>
-          <a:p>
-            <a:pPr algn="ctr"/>
-            <a:r>
-              <a:rPr lang="de-DE" sz="1400">
-                <a:latin typeface="Roboto Medium" panose="02000000000000000000" pitchFamily="2" charset="0"/>
-                <a:ea typeface="Roboto Medium" panose="02000000000000000000" pitchFamily="2" charset="0"/>
-              </a:rPr>
-              <a:t>Queue</a:t>
+              <a:t>Message Manager</a:t>
             </a:r>
           </a:p>
         </p:txBody>
@@ -14506,11 +13825,13 @@
         </p:nvCxnSpPr>
         <p:spPr>
           <a:xfrm flipV="1">
-            <a:off x="998590" y="815526"/>
-            <a:ext cx="2302875" cy="126974"/>
+            <a:off x="1168233" y="815526"/>
+            <a:ext cx="2133232" cy="1988523"/>
           </a:xfrm>
           <a:prstGeom prst="bentConnector3">
-            <a:avLst/>
+            <a:avLst>
+              <a:gd name="adj1" fmla="val -1909"/>
+            </a:avLst>
           </a:prstGeom>
           <a:ln w="57150">
             <a:tailEnd type="triangle"/>
@@ -14662,8 +13983,8 @@
         </p:nvSpPr>
         <p:spPr>
           <a:xfrm>
-            <a:off x="7781733" y="6295610"/>
-            <a:ext cx="3614580" cy="390340"/>
+            <a:off x="7942810" y="6295610"/>
+            <a:ext cx="3524937" cy="390340"/>
           </a:xfrm>
           <a:prstGeom prst="rect">
             <a:avLst/>
@@ -14708,62 +14029,6 @@
           </a:p>
         </p:txBody>
       </p:sp>
-      <p:sp>
-        <p:nvSpPr>
-          <p:cNvPr id="17" name="Rechteck 16">
-            <a:extLst>
-              <a:ext uri="{FF2B5EF4-FFF2-40B4-BE49-F238E27FC236}">
-                <a16:creationId xmlns:a16="http://schemas.microsoft.com/office/drawing/2014/main" id="{7F0CDD3D-DC75-44EA-B18F-A3B6D7F55631}"/>
-              </a:ext>
-            </a:extLst>
-          </p:cNvPr>
-          <p:cNvSpPr/>
-          <p:nvPr/>
-        </p:nvSpPr>
-        <p:spPr>
-          <a:xfrm>
-            <a:off x="8456995" y="2347432"/>
-            <a:ext cx="1334598" cy="716970"/>
-          </a:xfrm>
-          <a:prstGeom prst="rect">
-            <a:avLst/>
-          </a:prstGeom>
-        </p:spPr>
-        <p:style>
-          <a:lnRef idx="2">
-            <a:schemeClr val="accent2">
-              <a:shade val="50000"/>
-            </a:schemeClr>
-          </a:lnRef>
-          <a:fillRef idx="1">
-            <a:schemeClr val="accent2"/>
-          </a:fillRef>
-          <a:effectRef idx="0">
-            <a:schemeClr val="accent2"/>
-          </a:effectRef>
-          <a:fontRef idx="minor">
-            <a:schemeClr val="lt1"/>
-          </a:fontRef>
-        </p:style>
-        <p:txBody>
-          <a:bodyPr rtlCol="0" anchor="ctr"/>
-          <a:lstStyle/>
-          <a:p>
-            <a:pPr algn="ctr"/>
-            <a:r>
-              <a:rPr lang="de-DE" sz="1400" err="1">
-                <a:latin typeface="Roboto Medium" panose="02000000000000000000" pitchFamily="2" charset="0"/>
-                <a:ea typeface="Roboto Medium" panose="02000000000000000000" pitchFamily="2" charset="0"/>
-              </a:rPr>
-              <a:t>SendQueue</a:t>
-            </a:r>
-            <a:endParaRPr lang="de-DE" sz="1400">
-              <a:latin typeface="Roboto Medium" panose="02000000000000000000" pitchFamily="2" charset="0"/>
-              <a:ea typeface="Roboto Medium" panose="02000000000000000000" pitchFamily="2" charset="0"/>
-            </a:endParaRPr>
-          </a:p>
-        </p:txBody>
-      </p:sp>
       <p:cxnSp>
         <p:nvCxnSpPr>
           <p:cNvPr id="41" name="Verbinder: gewinkelt 40">
@@ -14775,24 +14040,24 @@
           </p:cNvPr>
           <p:cNvCxnSpPr>
             <a:cxnSpLocks/>
-            <a:stCxn id="42" idx="1"/>
-            <a:endCxn id="79" idx="3"/>
+            <a:stCxn id="67" idx="0"/>
+            <a:endCxn id="80" idx="5"/>
           </p:cNvCxnSpPr>
           <p:nvPr/>
         </p:nvCxnSpPr>
         <p:spPr>
-          <a:xfrm rot="10800000">
-            <a:off x="1134677" y="3933701"/>
-            <a:ext cx="968204" cy="373767"/>
+          <a:xfrm rot="16200000" flipV="1">
+            <a:off x="1028722" y="3690573"/>
+            <a:ext cx="1458581" cy="2049104"/>
           </a:xfrm>
           <a:prstGeom prst="bentConnector3">
             <a:avLst>
-              <a:gd name="adj1" fmla="val 50000"/>
+              <a:gd name="adj1" fmla="val 16066"/>
             </a:avLst>
           </a:prstGeom>
           <a:ln w="57150">
             <a:solidFill>
-              <a:srgbClr val="00B0F0"/>
+              <a:srgbClr val="FFC000"/>
             </a:solidFill>
             <a:tailEnd type="triangle"/>
           </a:ln>
@@ -14823,115 +14088,21 @@
           </p:cNvPr>
           <p:cNvCxnSpPr>
             <a:cxnSpLocks/>
-            <a:stCxn id="21" idx="2"/>
-            <a:endCxn id="22" idx="0"/>
+            <a:stCxn id="80" idx="0"/>
+            <a:endCxn id="22" idx="1"/>
           </p:cNvCxnSpPr>
           <p:nvPr/>
         </p:nvCxnSpPr>
         <p:spPr>
-          <a:xfrm rot="16200000" flipH="1">
-            <a:off x="3345345" y="3132906"/>
-            <a:ext cx="606814" cy="1025337"/>
-          </a:xfrm>
-          <a:prstGeom prst="bentConnector3">
+          <a:xfrm>
+            <a:off x="1168233" y="2804049"/>
+            <a:ext cx="934648" cy="1087838"/>
+          </a:xfrm>
+          <a:prstGeom prst="bentConnector5">
             <a:avLst>
-              <a:gd name="adj1" fmla="val 50000"/>
-            </a:avLst>
-          </a:prstGeom>
-          <a:ln w="57150">
-            <a:solidFill>
-              <a:srgbClr val="FFC000"/>
-            </a:solidFill>
-            <a:tailEnd type="triangle"/>
-          </a:ln>
-        </p:spPr>
-        <p:style>
-          <a:lnRef idx="1">
-            <a:schemeClr val="accent1"/>
-          </a:lnRef>
-          <a:fillRef idx="0">
-            <a:schemeClr val="accent1"/>
-          </a:fillRef>
-          <a:effectRef idx="0">
-            <a:schemeClr val="accent1"/>
-          </a:effectRef>
-          <a:fontRef idx="minor">
-            <a:schemeClr val="tx1"/>
-          </a:fontRef>
-        </p:style>
-      </p:cxnSp>
-      <p:cxnSp>
-        <p:nvCxnSpPr>
-          <p:cNvPr id="49" name="Verbinder: gewinkelt 48">
-            <a:extLst>
-              <a:ext uri="{FF2B5EF4-FFF2-40B4-BE49-F238E27FC236}">
-                <a16:creationId xmlns:a16="http://schemas.microsoft.com/office/drawing/2014/main" id="{2FC944CD-80E4-4BFE-98A5-1D44E11D7C7F}"/>
-              </a:ext>
-            </a:extLst>
-          </p:cNvPr>
-          <p:cNvCxnSpPr>
-            <a:cxnSpLocks/>
-            <a:stCxn id="67" idx="0"/>
-            <a:endCxn id="42" idx="2"/>
-          </p:cNvCxnSpPr>
-          <p:nvPr/>
-        </p:nvCxnSpPr>
-        <p:spPr>
-          <a:xfrm rot="16200000" flipV="1">
-            <a:off x="2387807" y="5049658"/>
-            <a:ext cx="778463" cy="11052"/>
-          </a:xfrm>
-          <a:prstGeom prst="bentConnector3">
-            <a:avLst>
-              <a:gd name="adj1" fmla="val 50000"/>
-            </a:avLst>
-          </a:prstGeom>
-          <a:ln w="57150">
-            <a:solidFill>
-              <a:srgbClr val="FFC000"/>
-            </a:solidFill>
-            <a:tailEnd type="triangle"/>
-          </a:ln>
-        </p:spPr>
-        <p:style>
-          <a:lnRef idx="1">
-            <a:schemeClr val="accent1"/>
-          </a:lnRef>
-          <a:fillRef idx="0">
-            <a:schemeClr val="accent1"/>
-          </a:fillRef>
-          <a:effectRef idx="0">
-            <a:schemeClr val="accent1"/>
-          </a:effectRef>
-          <a:fontRef idx="minor">
-            <a:schemeClr val="tx1"/>
-          </a:fontRef>
-        </p:style>
-      </p:cxnSp>
-      <p:cxnSp>
-        <p:nvCxnSpPr>
-          <p:cNvPr id="52" name="Verbinder: gewinkelt 51">
-            <a:extLst>
-              <a:ext uri="{FF2B5EF4-FFF2-40B4-BE49-F238E27FC236}">
-                <a16:creationId xmlns:a16="http://schemas.microsoft.com/office/drawing/2014/main" id="{33EC7136-6B52-4DA1-B624-701A0AC265B9}"/>
-              </a:ext>
-            </a:extLst>
-          </p:cNvPr>
-          <p:cNvCxnSpPr>
-            <a:cxnSpLocks/>
-            <a:stCxn id="17" idx="0"/>
-            <a:endCxn id="16" idx="2"/>
-          </p:cNvCxnSpPr>
-          <p:nvPr/>
-        </p:nvCxnSpPr>
-        <p:spPr>
-          <a:xfrm rot="16200000" flipV="1">
-            <a:off x="8992173" y="2215310"/>
-            <a:ext cx="260519" cy="3725"/>
-          </a:xfrm>
-          <a:prstGeom prst="bentConnector3">
-            <a:avLst>
-              <a:gd name="adj1" fmla="val 50000"/>
+              <a:gd name="adj1" fmla="val 24458"/>
+              <a:gd name="adj2" fmla="val 100402"/>
+              <a:gd name="adj3" fmla="val 75542"/>
             </a:avLst>
           </a:prstGeom>
           <a:ln w="57150">
@@ -15003,7 +14174,7 @@
                 <a:latin typeface="Roboto Medium" panose="02000000000000000000" pitchFamily="2" charset="0"/>
                 <a:ea typeface="Roboto Medium" panose="02000000000000000000" pitchFamily="2" charset="0"/>
               </a:rPr>
-              <a:t>Datenbank</a:t>
+              <a:t>Database</a:t>
             </a:r>
           </a:p>
         </p:txBody>
@@ -15056,10 +14227,10 @@
       </p:cxnSp>
       <p:sp>
         <p:nvSpPr>
-          <p:cNvPr id="85" name="Textfeld 84">
-            <a:extLst>
-              <a:ext uri="{FF2B5EF4-FFF2-40B4-BE49-F238E27FC236}">
-                <a16:creationId xmlns:a16="http://schemas.microsoft.com/office/drawing/2014/main" id="{53F8C80B-6849-46DF-9D8E-0A2054CCA22C}"/>
+          <p:cNvPr id="92" name="Textfeld 91">
+            <a:extLst>
+              <a:ext uri="{FF2B5EF4-FFF2-40B4-BE49-F238E27FC236}">
+                <a16:creationId xmlns:a16="http://schemas.microsoft.com/office/drawing/2014/main" id="{3FE3F05E-91D0-4D6B-BBD9-606FAE42BC0D}"/>
               </a:ext>
             </a:extLst>
           </p:cNvPr>
@@ -15068,7 +14239,7 @@
         </p:nvSpPr>
         <p:spPr>
           <a:xfrm>
-            <a:off x="134987" y="446146"/>
+            <a:off x="9171006" y="432765"/>
             <a:ext cx="3078489" cy="338554"/>
           </a:xfrm>
           <a:prstGeom prst="rect">
@@ -15108,7 +14279,7 @@
                 <a:latin typeface="Roboto Medium" panose="02000000000000000000" pitchFamily="2" charset="0"/>
                 <a:ea typeface="Roboto Medium" panose="02000000000000000000" pitchFamily="2" charset="0"/>
               </a:rPr>
-              <a:t>Poll Message</a:t>
+              <a:t>Add message</a:t>
             </a:r>
             <a:endParaRPr lang="de-DE">
               <a:solidFill>
@@ -15132,10 +14303,10 @@
       </p:sp>
       <p:sp>
         <p:nvSpPr>
-          <p:cNvPr id="88" name="Textfeld 87">
-            <a:extLst>
-              <a:ext uri="{FF2B5EF4-FFF2-40B4-BE49-F238E27FC236}">
-                <a16:creationId xmlns:a16="http://schemas.microsoft.com/office/drawing/2014/main" id="{A35D1D7C-38D4-43B3-ACB8-936D11F238B6}"/>
+          <p:cNvPr id="93" name="Textfeld 92">
+            <a:extLst>
+              <a:ext uri="{FF2B5EF4-FFF2-40B4-BE49-F238E27FC236}">
+                <a16:creationId xmlns:a16="http://schemas.microsoft.com/office/drawing/2014/main" id="{C14DD65A-6327-4867-B0F1-B4EC1B58F7B0}"/>
               </a:ext>
             </a:extLst>
           </p:cNvPr>
@@ -15144,160 +14315,8 @@
         </p:nvSpPr>
         <p:spPr>
           <a:xfrm>
-            <a:off x="2853656" y="3226200"/>
-            <a:ext cx="3078489" cy="338554"/>
-          </a:xfrm>
-          <a:prstGeom prst="rect">
-            <a:avLst/>
-          </a:prstGeom>
-          <a:noFill/>
-          <a:effectLst>
-            <a:outerShdw blurRad="63500" sx="102000" sy="102000" algn="ctr" rotWithShape="0">
-              <a:prstClr val="black">
-                <a:alpha val="40000"/>
-              </a:prstClr>
-            </a:outerShdw>
-          </a:effectLst>
-        </p:spPr>
-        <p:txBody>
-          <a:bodyPr wrap="square" rtlCol="0" anchor="ctr">
-            <a:spAutoFit/>
-          </a:bodyPr>
-          <a:lstStyle/>
-          <a:p>
-            <a:pPr algn="ctr"/>
-            <a:r>
-              <a:rPr lang="de-DE" sz="1600">
-                <a:solidFill>
-                  <a:schemeClr val="tx1">
-                    <a:lumMod val="95000"/>
-                    <a:lumOff val="5000"/>
-                  </a:schemeClr>
-                </a:solidFill>
-                <a:effectLst>
-                  <a:outerShdw blurRad="38100" dist="38100" dir="2700000" algn="tl">
-                    <a:srgbClr val="000000">
-                      <a:alpha val="43137"/>
-                    </a:srgbClr>
-                  </a:outerShdw>
-                </a:effectLst>
-                <a:latin typeface="Roboto Medium" panose="02000000000000000000" pitchFamily="2" charset="0"/>
-                <a:ea typeface="Roboto Medium" panose="02000000000000000000" pitchFamily="2" charset="0"/>
-              </a:rPr>
-              <a:t>Poll message</a:t>
-            </a:r>
-            <a:endParaRPr lang="de-DE">
-              <a:solidFill>
-                <a:schemeClr val="tx1">
-                  <a:lumMod val="95000"/>
-                  <a:lumOff val="5000"/>
-                </a:schemeClr>
-              </a:solidFill>
-              <a:effectLst>
-                <a:outerShdw blurRad="38100" dist="38100" dir="2700000" algn="tl">
-                  <a:srgbClr val="000000">
-                    <a:alpha val="43137"/>
-                  </a:srgbClr>
-                </a:outerShdw>
-              </a:effectLst>
-              <a:latin typeface="Roboto Medium" panose="02000000000000000000" pitchFamily="2" charset="0"/>
-              <a:ea typeface="Roboto Medium" panose="02000000000000000000" pitchFamily="2" charset="0"/>
-            </a:endParaRPr>
-          </a:p>
-        </p:txBody>
-      </p:sp>
-      <p:sp>
-        <p:nvSpPr>
-          <p:cNvPr id="92" name="Textfeld 91">
-            <a:extLst>
-              <a:ext uri="{FF2B5EF4-FFF2-40B4-BE49-F238E27FC236}">
-                <a16:creationId xmlns:a16="http://schemas.microsoft.com/office/drawing/2014/main" id="{3FE3F05E-91D0-4D6B-BBD9-606FAE42BC0D}"/>
-              </a:ext>
-            </a:extLst>
-          </p:cNvPr>
-          <p:cNvSpPr txBox="1"/>
-          <p:nvPr/>
-        </p:nvSpPr>
-        <p:spPr>
-          <a:xfrm>
-            <a:off x="6817475" y="2015632"/>
-            <a:ext cx="3078489" cy="338554"/>
-          </a:xfrm>
-          <a:prstGeom prst="rect">
-            <a:avLst/>
-          </a:prstGeom>
-          <a:noFill/>
-          <a:effectLst>
-            <a:outerShdw blurRad="63500" sx="102000" sy="102000" algn="ctr" rotWithShape="0">
-              <a:prstClr val="black">
-                <a:alpha val="40000"/>
-              </a:prstClr>
-            </a:outerShdw>
-          </a:effectLst>
-        </p:spPr>
-        <p:txBody>
-          <a:bodyPr wrap="square" rtlCol="0" anchor="ctr">
-            <a:spAutoFit/>
-          </a:bodyPr>
-          <a:lstStyle/>
-          <a:p>
-            <a:pPr algn="ctr"/>
-            <a:r>
-              <a:rPr lang="de-DE" sz="1600">
-                <a:solidFill>
-                  <a:schemeClr val="tx1">
-                    <a:lumMod val="95000"/>
-                    <a:lumOff val="5000"/>
-                  </a:schemeClr>
-                </a:solidFill>
-                <a:effectLst>
-                  <a:outerShdw blurRad="38100" dist="38100" dir="2700000" algn="tl">
-                    <a:srgbClr val="000000">
-                      <a:alpha val="43137"/>
-                    </a:srgbClr>
-                  </a:outerShdw>
-                </a:effectLst>
-                <a:latin typeface="Roboto Medium" panose="02000000000000000000" pitchFamily="2" charset="0"/>
-                <a:ea typeface="Roboto Medium" panose="02000000000000000000" pitchFamily="2" charset="0"/>
-              </a:rPr>
-              <a:t>Poll message</a:t>
-            </a:r>
-            <a:endParaRPr lang="de-DE">
-              <a:solidFill>
-                <a:schemeClr val="tx1">
-                  <a:lumMod val="95000"/>
-                  <a:lumOff val="5000"/>
-                </a:schemeClr>
-              </a:solidFill>
-              <a:effectLst>
-                <a:outerShdw blurRad="38100" dist="38100" dir="2700000" algn="tl">
-                  <a:srgbClr val="000000">
-                    <a:alpha val="43137"/>
-                  </a:srgbClr>
-                </a:outerShdw>
-              </a:effectLst>
-              <a:latin typeface="Roboto Medium" panose="02000000000000000000" pitchFamily="2" charset="0"/>
-              <a:ea typeface="Roboto Medium" panose="02000000000000000000" pitchFamily="2" charset="0"/>
-            </a:endParaRPr>
-          </a:p>
-        </p:txBody>
-      </p:sp>
-      <p:sp>
-        <p:nvSpPr>
-          <p:cNvPr id="93" name="Textfeld 92">
-            <a:extLst>
-              <a:ext uri="{FF2B5EF4-FFF2-40B4-BE49-F238E27FC236}">
-                <a16:creationId xmlns:a16="http://schemas.microsoft.com/office/drawing/2014/main" id="{C14DD65A-6327-4867-B0F1-B4EC1B58F7B0}"/>
-              </a:ext>
-            </a:extLst>
-          </p:cNvPr>
-          <p:cNvSpPr txBox="1"/>
-          <p:nvPr/>
-        </p:nvSpPr>
-        <p:spPr>
-          <a:xfrm>
-            <a:off x="415938" y="4999244"/>
-            <a:ext cx="3078489" cy="338554"/>
+            <a:off x="-256637" y="4727094"/>
+            <a:ext cx="2693968" cy="584775"/>
           </a:xfrm>
           <a:prstGeom prst="rect">
             <a:avLst/>
@@ -15338,6 +14357,29 @@
               </a:rPr>
               <a:t>Get messages</a:t>
             </a:r>
+          </a:p>
+          <a:p>
+            <a:pPr algn="ctr"/>
+            <a:r>
+              <a:rPr lang="de-DE" sz="1600">
+                <a:solidFill>
+                  <a:schemeClr val="tx1">
+                    <a:lumMod val="95000"/>
+                    <a:lumOff val="5000"/>
+                  </a:schemeClr>
+                </a:solidFill>
+                <a:effectLst>
+                  <a:outerShdw blurRad="38100" dist="38100" dir="2700000" algn="tl">
+                    <a:srgbClr val="000000">
+                      <a:alpha val="43137"/>
+                    </a:srgbClr>
+                  </a:outerShdw>
+                </a:effectLst>
+                <a:latin typeface="Roboto Medium" panose="02000000000000000000" pitchFamily="2" charset="0"/>
+                <a:ea typeface="Roboto Medium" panose="02000000000000000000" pitchFamily="2" charset="0"/>
+              </a:rPr>
+              <a:t>on startup</a:t>
+            </a:r>
             <a:endParaRPr lang="de-DE">
               <a:solidFill>
                 <a:schemeClr val="tx1">
@@ -15372,8 +14414,8 @@
         </p:nvSpPr>
         <p:spPr>
           <a:xfrm>
-            <a:off x="3411439" y="5266412"/>
-            <a:ext cx="3078489" cy="338554"/>
+            <a:off x="2990623" y="5414441"/>
+            <a:ext cx="3078489" cy="584775"/>
           </a:xfrm>
           <a:prstGeom prst="rect">
             <a:avLst/>
@@ -15412,7 +14454,30 @@
                 <a:latin typeface="Roboto Medium" panose="02000000000000000000" pitchFamily="2" charset="0"/>
                 <a:ea typeface="Roboto Medium" panose="02000000000000000000" pitchFamily="2" charset="0"/>
               </a:rPr>
-              <a:t>Add message</a:t>
+              <a:t>Add message to db</a:t>
+            </a:r>
+          </a:p>
+          <a:p>
+            <a:pPr algn="ctr"/>
+            <a:r>
+              <a:rPr lang="de-DE" sz="1600">
+                <a:solidFill>
+                  <a:schemeClr val="tx1">
+                    <a:lumMod val="95000"/>
+                    <a:lumOff val="5000"/>
+                  </a:schemeClr>
+                </a:solidFill>
+                <a:effectLst>
+                  <a:outerShdw blurRad="38100" dist="38100" dir="2700000" algn="tl">
+                    <a:srgbClr val="000000">
+                      <a:alpha val="43137"/>
+                    </a:srgbClr>
+                  </a:outerShdw>
+                </a:effectLst>
+                <a:latin typeface="Roboto Medium" panose="02000000000000000000" pitchFamily="2" charset="0"/>
+                <a:ea typeface="Roboto Medium" panose="02000000000000000000" pitchFamily="2" charset="0"/>
+              </a:rPr>
+              <a:t>Update message in db</a:t>
             </a:r>
             <a:endParaRPr lang="de-DE">
               <a:solidFill>
@@ -15448,7 +14513,7 @@
         </p:nvSpPr>
         <p:spPr>
           <a:xfrm>
-            <a:off x="826308" y="2164676"/>
+            <a:off x="235359" y="461691"/>
             <a:ext cx="3078489" cy="338554"/>
           </a:xfrm>
           <a:prstGeom prst="rect">
@@ -15488,83 +14553,7 @@
                 <a:latin typeface="Roboto Medium" panose="02000000000000000000" pitchFamily="2" charset="0"/>
                 <a:ea typeface="Roboto Medium" panose="02000000000000000000" pitchFamily="2" charset="0"/>
               </a:rPr>
-              <a:t>Add message</a:t>
-            </a:r>
-            <a:endParaRPr lang="de-DE">
-              <a:solidFill>
-                <a:schemeClr val="tx1">
-                  <a:lumMod val="95000"/>
-                  <a:lumOff val="5000"/>
-                </a:schemeClr>
-              </a:solidFill>
-              <a:effectLst>
-                <a:outerShdw blurRad="38100" dist="38100" dir="2700000" algn="tl">
-                  <a:srgbClr val="000000">
-                    <a:alpha val="43137"/>
-                  </a:srgbClr>
-                </a:outerShdw>
-              </a:effectLst>
-              <a:latin typeface="Roboto Medium" panose="02000000000000000000" pitchFamily="2" charset="0"/>
-              <a:ea typeface="Roboto Medium" panose="02000000000000000000" pitchFamily="2" charset="0"/>
-            </a:endParaRPr>
-          </a:p>
-        </p:txBody>
-      </p:sp>
-      <p:sp>
-        <p:nvSpPr>
-          <p:cNvPr id="96" name="Textfeld 95">
-            <a:extLst>
-              <a:ext uri="{FF2B5EF4-FFF2-40B4-BE49-F238E27FC236}">
-                <a16:creationId xmlns:a16="http://schemas.microsoft.com/office/drawing/2014/main" id="{0D8B5E53-8857-487E-97EF-8B9BFD560BD1}"/>
-              </a:ext>
-            </a:extLst>
-          </p:cNvPr>
-          <p:cNvSpPr txBox="1"/>
-          <p:nvPr/>
-        </p:nvSpPr>
-        <p:spPr>
-          <a:xfrm>
-            <a:off x="344511" y="3548776"/>
-            <a:ext cx="3078489" cy="338554"/>
-          </a:xfrm>
-          <a:prstGeom prst="rect">
-            <a:avLst/>
-          </a:prstGeom>
-          <a:noFill/>
-          <a:effectLst>
-            <a:outerShdw blurRad="63500" sx="102000" sy="102000" algn="ctr" rotWithShape="0">
-              <a:prstClr val="black">
-                <a:alpha val="40000"/>
-              </a:prstClr>
-            </a:outerShdw>
-          </a:effectLst>
-        </p:spPr>
-        <p:txBody>
-          <a:bodyPr wrap="square" rtlCol="0" anchor="ctr">
-            <a:spAutoFit/>
-          </a:bodyPr>
-          <a:lstStyle/>
-          <a:p>
-            <a:pPr algn="ctr"/>
-            <a:r>
-              <a:rPr lang="de-DE" sz="1600">
-                <a:solidFill>
-                  <a:schemeClr val="tx1">
-                    <a:lumMod val="95000"/>
-                    <a:lumOff val="5000"/>
-                  </a:schemeClr>
-                </a:solidFill>
-                <a:effectLst>
-                  <a:outerShdw blurRad="38100" dist="38100" dir="2700000" algn="tl">
-                    <a:srgbClr val="000000">
-                      <a:alpha val="43137"/>
-                    </a:srgbClr>
-                  </a:outerShdw>
-                </a:effectLst>
-                <a:latin typeface="Roboto Medium" panose="02000000000000000000" pitchFamily="2" charset="0"/>
-                <a:ea typeface="Roboto Medium" panose="02000000000000000000" pitchFamily="2" charset="0"/>
-              </a:rPr>
-              <a:t>Add message</a:t>
+              <a:t>Get message to send</a:t>
             </a:r>
             <a:endParaRPr lang="de-DE">
               <a:solidFill>
@@ -15662,56 +14651,12 @@
           </a:p>
         </p:txBody>
       </p:sp>
-      <p:cxnSp>
-        <p:nvCxnSpPr>
-          <p:cNvPr id="53" name="Verbinder: gewinkelt 52">
-            <a:extLst>
-              <a:ext uri="{FF2B5EF4-FFF2-40B4-BE49-F238E27FC236}">
-                <a16:creationId xmlns:a16="http://schemas.microsoft.com/office/drawing/2014/main" id="{33B30A11-EBD4-47D4-ACEA-F7D63A8DC574}"/>
-              </a:ext>
-            </a:extLst>
-          </p:cNvPr>
-          <p:cNvCxnSpPr>
-            <a:cxnSpLocks/>
-            <a:endCxn id="80" idx="5"/>
-          </p:cNvCxnSpPr>
-          <p:nvPr/>
-        </p:nvCxnSpPr>
-        <p:spPr>
-          <a:xfrm rot="16200000" flipV="1">
-            <a:off x="173196" y="1726084"/>
-            <a:ext cx="785928" cy="4686"/>
-          </a:xfrm>
-          <a:prstGeom prst="bentConnector3">
-            <a:avLst>
-              <a:gd name="adj1" fmla="val 50000"/>
-            </a:avLst>
-          </a:prstGeom>
-          <a:ln w="57150">
-            <a:tailEnd type="triangle"/>
-          </a:ln>
-        </p:spPr>
-        <p:style>
-          <a:lnRef idx="1">
-            <a:schemeClr val="accent4"/>
-          </a:lnRef>
-          <a:fillRef idx="0">
-            <a:schemeClr val="accent4"/>
-          </a:fillRef>
-          <a:effectRef idx="0">
-            <a:schemeClr val="accent4"/>
-          </a:effectRef>
-          <a:fontRef idx="minor">
-            <a:schemeClr val="tx1"/>
-          </a:fontRef>
-        </p:style>
-      </p:cxnSp>
-      <p:sp>
-        <p:nvSpPr>
-          <p:cNvPr id="54" name="Textfeld 53">
-            <a:extLst>
-              <a:ext uri="{FF2B5EF4-FFF2-40B4-BE49-F238E27FC236}">
-                <a16:creationId xmlns:a16="http://schemas.microsoft.com/office/drawing/2014/main" id="{3579099C-0ACF-46AE-9273-AB5B20CD7A0C}"/>
+      <p:sp>
+        <p:nvSpPr>
+          <p:cNvPr id="98" name="Textfeld 97">
+            <a:extLst>
+              <a:ext uri="{FF2B5EF4-FFF2-40B4-BE49-F238E27FC236}">
+                <a16:creationId xmlns:a16="http://schemas.microsoft.com/office/drawing/2014/main" id="{A66354F0-8ECB-4C37-81BE-1B123F9E3EA2}"/>
               </a:ext>
             </a:extLst>
           </p:cNvPr>
@@ -15720,8 +14665,8 @@
         </p:nvSpPr>
         <p:spPr>
           <a:xfrm>
-            <a:off x="-301056" y="1364921"/>
-            <a:ext cx="3078489" cy="523220"/>
+            <a:off x="5096110" y="181958"/>
+            <a:ext cx="3078489" cy="584775"/>
           </a:xfrm>
           <a:prstGeom prst="rect">
             <a:avLst/>
@@ -15743,7 +14688,7 @@
           <a:p>
             <a:pPr algn="ctr"/>
             <a:r>
-              <a:rPr lang="de-DE" sz="1400">
+              <a:rPr lang="de-DE" sz="1600">
                 <a:solidFill>
                   <a:schemeClr val="tx1">
                     <a:lumMod val="95000"/>
@@ -15760,13 +14705,113 @@
                 <a:latin typeface="Roboto Medium" panose="02000000000000000000" pitchFamily="2" charset="0"/>
                 <a:ea typeface="Roboto Medium" panose="02000000000000000000" pitchFamily="2" charset="0"/>
               </a:rPr>
-              <a:t>Add session id</a:t>
-            </a:r>
-          </a:p>
+              <a:t>Send message with session id, receive answer</a:t>
+            </a:r>
+            <a:endParaRPr lang="de-DE">
+              <a:solidFill>
+                <a:schemeClr val="tx1">
+                  <a:lumMod val="95000"/>
+                  <a:lumOff val="5000"/>
+                </a:schemeClr>
+              </a:solidFill>
+              <a:effectLst>
+                <a:outerShdw blurRad="38100" dist="38100" dir="2700000" algn="tl">
+                  <a:srgbClr val="000000">
+                    <a:alpha val="43137"/>
+                  </a:srgbClr>
+                </a:outerShdw>
+              </a:effectLst>
+              <a:latin typeface="Roboto Medium" panose="02000000000000000000" pitchFamily="2" charset="0"/>
+              <a:ea typeface="Roboto Medium" panose="02000000000000000000" pitchFamily="2" charset="0"/>
+            </a:endParaRPr>
+          </a:p>
+        </p:txBody>
+      </p:sp>
+      <p:cxnSp>
+        <p:nvCxnSpPr>
+          <p:cNvPr id="100" name="Verbinder: gewinkelt 99">
+            <a:extLst>
+              <a:ext uri="{FF2B5EF4-FFF2-40B4-BE49-F238E27FC236}">
+                <a16:creationId xmlns:a16="http://schemas.microsoft.com/office/drawing/2014/main" id="{0D817FF6-11A3-495B-92CC-935A371C683E}"/>
+              </a:ext>
+            </a:extLst>
+          </p:cNvPr>
+          <p:cNvCxnSpPr>
+            <a:cxnSpLocks/>
+          </p:cNvCxnSpPr>
+          <p:nvPr/>
+        </p:nvCxnSpPr>
+        <p:spPr>
+          <a:xfrm flipV="1">
+            <a:off x="4732999" y="831859"/>
+            <a:ext cx="3670050" cy="2328"/>
+          </a:xfrm>
+          <a:prstGeom prst="bentConnector3">
+            <a:avLst>
+              <a:gd name="adj1" fmla="val 50000"/>
+            </a:avLst>
+          </a:prstGeom>
+          <a:ln w="57150">
+            <a:solidFill>
+              <a:srgbClr val="7030A0"/>
+            </a:solidFill>
+            <a:headEnd type="triangle"/>
+            <a:tailEnd type="triangle"/>
+          </a:ln>
+        </p:spPr>
+        <p:style>
+          <a:lnRef idx="1">
+            <a:schemeClr val="accent1"/>
+          </a:lnRef>
+          <a:fillRef idx="0">
+            <a:schemeClr val="accent1"/>
+          </a:fillRef>
+          <a:effectRef idx="0">
+            <a:schemeClr val="accent1"/>
+          </a:effectRef>
+          <a:fontRef idx="minor">
+            <a:schemeClr val="tx1"/>
+          </a:fontRef>
+        </p:style>
+      </p:cxnSp>
+      <p:sp>
+        <p:nvSpPr>
+          <p:cNvPr id="56" name="Textfeld 55">
+            <a:extLst>
+              <a:ext uri="{FF2B5EF4-FFF2-40B4-BE49-F238E27FC236}">
+                <a16:creationId xmlns:a16="http://schemas.microsoft.com/office/drawing/2014/main" id="{8A0CD288-FE51-41FC-98A9-E2567373C928}"/>
+              </a:ext>
+            </a:extLst>
+          </p:cNvPr>
+          <p:cNvSpPr txBox="1"/>
+          <p:nvPr/>
+        </p:nvSpPr>
+        <p:spPr>
+          <a:xfrm>
+            <a:off x="1276724" y="2636623"/>
+            <a:ext cx="3078489" cy="338554"/>
+          </a:xfrm>
+          <a:prstGeom prst="rect">
+            <a:avLst/>
+          </a:prstGeom>
+          <a:noFill/>
+          <a:effectLst>
+            <a:outerShdw blurRad="63500" sx="102000" sy="102000" algn="ctr" rotWithShape="0">
+              <a:prstClr val="black">
+                <a:alpha val="40000"/>
+              </a:prstClr>
+            </a:outerShdw>
+          </a:effectLst>
+        </p:spPr>
+        <p:txBody>
+          <a:bodyPr wrap="square" rtlCol="0" anchor="ctr">
+            <a:spAutoFit/>
+          </a:bodyPr>
+          <a:lstStyle/>
           <a:p>
             <a:pPr algn="ctr"/>
             <a:r>
-              <a:rPr lang="de-DE" sz="1400">
+              <a:rPr lang="de-DE" sz="1600">
                 <a:solidFill>
                   <a:schemeClr val="tx1">
                     <a:lumMod val="95000"/>
@@ -15783,9 +14828,9 @@
                 <a:latin typeface="Roboto Medium" panose="02000000000000000000" pitchFamily="2" charset="0"/>
                 <a:ea typeface="Roboto Medium" panose="02000000000000000000" pitchFamily="2" charset="0"/>
               </a:rPr>
-              <a:t> to message</a:t>
-            </a:r>
-            <a:endParaRPr lang="de-DE" sz="1600">
+              <a:t>Get message to store/update</a:t>
+            </a:r>
+            <a:endParaRPr lang="de-DE">
               <a:solidFill>
                 <a:schemeClr val="tx1">
                   <a:lumMod val="95000"/>
@@ -15805,12 +14850,184 @@
           </a:p>
         </p:txBody>
       </p:sp>
-      <p:sp>
-        <p:nvSpPr>
-          <p:cNvPr id="62" name="Rechteck 61">
-            <a:extLst>
-              <a:ext uri="{FF2B5EF4-FFF2-40B4-BE49-F238E27FC236}">
-                <a16:creationId xmlns:a16="http://schemas.microsoft.com/office/drawing/2014/main" id="{BFA44AFD-DAF4-4FEC-9A57-13F7744961D4}"/>
+      <p:cxnSp>
+        <p:nvCxnSpPr>
+          <p:cNvPr id="60" name="Verbinder: gewinkelt 59">
+            <a:extLst>
+              <a:ext uri="{FF2B5EF4-FFF2-40B4-BE49-F238E27FC236}">
+                <a16:creationId xmlns:a16="http://schemas.microsoft.com/office/drawing/2014/main" id="{643D930E-3F97-4855-AEBC-9CC1A8F682B6}"/>
+              </a:ext>
+            </a:extLst>
+          </p:cNvPr>
+          <p:cNvCxnSpPr>
+            <a:cxnSpLocks/>
+            <a:stCxn id="13" idx="2"/>
+            <a:endCxn id="80" idx="1"/>
+          </p:cNvCxnSpPr>
+          <p:nvPr/>
+        </p:nvCxnSpPr>
+        <p:spPr>
+          <a:xfrm rot="5400000">
+            <a:off x="2159918" y="-252446"/>
+            <a:ext cx="448254" cy="3301169"/>
+          </a:xfrm>
+          <a:prstGeom prst="bentConnector3">
+            <a:avLst>
+              <a:gd name="adj1" fmla="val 20056"/>
+            </a:avLst>
+          </a:prstGeom>
+          <a:ln w="57150">
+            <a:solidFill>
+              <a:srgbClr val="00B0F0"/>
+            </a:solidFill>
+            <a:tailEnd type="triangle"/>
+          </a:ln>
+        </p:spPr>
+        <p:style>
+          <a:lnRef idx="1">
+            <a:schemeClr val="accent1"/>
+          </a:lnRef>
+          <a:fillRef idx="0">
+            <a:schemeClr val="accent1"/>
+          </a:fillRef>
+          <a:effectRef idx="0">
+            <a:schemeClr val="accent1"/>
+          </a:effectRef>
+          <a:fontRef idx="minor">
+            <a:schemeClr val="tx1"/>
+          </a:fontRef>
+        </p:style>
+      </p:cxnSp>
+      <p:cxnSp>
+        <p:nvCxnSpPr>
+          <p:cNvPr id="63" name="Verbinder: gewinkelt 62">
+            <a:extLst>
+              <a:ext uri="{FF2B5EF4-FFF2-40B4-BE49-F238E27FC236}">
+                <a16:creationId xmlns:a16="http://schemas.microsoft.com/office/drawing/2014/main" id="{9835AED9-5E70-4556-9BC9-E46DF64A2039}"/>
+              </a:ext>
+            </a:extLst>
+          </p:cNvPr>
+          <p:cNvCxnSpPr>
+            <a:cxnSpLocks/>
+            <a:stCxn id="14" idx="2"/>
+            <a:endCxn id="80" idx="1"/>
+          </p:cNvCxnSpPr>
+          <p:nvPr/>
+        </p:nvCxnSpPr>
+        <p:spPr>
+          <a:xfrm rot="5400000" flipH="1">
+            <a:off x="2149262" y="206464"/>
+            <a:ext cx="469565" cy="3301169"/>
+          </a:xfrm>
+          <a:prstGeom prst="bentConnector3">
+            <a:avLst>
+              <a:gd name="adj1" fmla="val -23248"/>
+            </a:avLst>
+          </a:prstGeom>
+          <a:ln w="57150">
+            <a:solidFill>
+              <a:srgbClr val="00B0F0"/>
+            </a:solidFill>
+            <a:tailEnd type="triangle"/>
+          </a:ln>
+        </p:spPr>
+        <p:style>
+          <a:lnRef idx="1">
+            <a:schemeClr val="accent1"/>
+          </a:lnRef>
+          <a:fillRef idx="0">
+            <a:schemeClr val="accent1"/>
+          </a:fillRef>
+          <a:effectRef idx="0">
+            <a:schemeClr val="accent1"/>
+          </a:effectRef>
+          <a:fontRef idx="minor">
+            <a:schemeClr val="tx1"/>
+          </a:fontRef>
+        </p:style>
+      </p:cxnSp>
+      <p:sp>
+        <p:nvSpPr>
+          <p:cNvPr id="70" name="Textfeld 69">
+            <a:extLst>
+              <a:ext uri="{FF2B5EF4-FFF2-40B4-BE49-F238E27FC236}">
+                <a16:creationId xmlns:a16="http://schemas.microsoft.com/office/drawing/2014/main" id="{5F992E79-1467-4F3F-AF65-E8563308527E}"/>
+              </a:ext>
+            </a:extLst>
+          </p:cNvPr>
+          <p:cNvSpPr txBox="1"/>
+          <p:nvPr/>
+        </p:nvSpPr>
+        <p:spPr>
+          <a:xfrm>
+            <a:off x="454708" y="1531118"/>
+            <a:ext cx="3078489" cy="338554"/>
+          </a:xfrm>
+          <a:prstGeom prst="rect">
+            <a:avLst/>
+          </a:prstGeom>
+          <a:noFill/>
+          <a:effectLst>
+            <a:outerShdw blurRad="63500" sx="102000" sy="102000" algn="ctr" rotWithShape="0">
+              <a:prstClr val="black">
+                <a:alpha val="40000"/>
+              </a:prstClr>
+            </a:outerShdw>
+          </a:effectLst>
+        </p:spPr>
+        <p:txBody>
+          <a:bodyPr wrap="square" rtlCol="0" anchor="ctr">
+            <a:spAutoFit/>
+          </a:bodyPr>
+          <a:lstStyle/>
+          <a:p>
+            <a:pPr algn="ctr"/>
+            <a:r>
+              <a:rPr lang="de-DE" sz="1600">
+                <a:solidFill>
+                  <a:schemeClr val="tx1">
+                    <a:lumMod val="95000"/>
+                    <a:lumOff val="5000"/>
+                  </a:schemeClr>
+                </a:solidFill>
+                <a:effectLst>
+                  <a:outerShdw blurRad="38100" dist="38100" dir="2700000" algn="tl">
+                    <a:srgbClr val="000000">
+                      <a:alpha val="43137"/>
+                    </a:srgbClr>
+                  </a:outerShdw>
+                </a:effectLst>
+                <a:latin typeface="Roboto Medium" panose="02000000000000000000" pitchFamily="2" charset="0"/>
+                <a:ea typeface="Roboto Medium" panose="02000000000000000000" pitchFamily="2" charset="0"/>
+              </a:rPr>
+              <a:t>Add / Change messages</a:t>
+            </a:r>
+            <a:endParaRPr lang="de-DE">
+              <a:solidFill>
+                <a:schemeClr val="tx1">
+                  <a:lumMod val="95000"/>
+                  <a:lumOff val="5000"/>
+                </a:schemeClr>
+              </a:solidFill>
+              <a:effectLst>
+                <a:outerShdw blurRad="38100" dist="38100" dir="2700000" algn="tl">
+                  <a:srgbClr val="000000">
+                    <a:alpha val="43137"/>
+                  </a:srgbClr>
+                </a:outerShdw>
+              </a:effectLst>
+              <a:latin typeface="Roboto Medium" panose="02000000000000000000" pitchFamily="2" charset="0"/>
+              <a:ea typeface="Roboto Medium" panose="02000000000000000000" pitchFamily="2" charset="0"/>
+            </a:endParaRPr>
+          </a:p>
+        </p:txBody>
+      </p:sp>
+      <p:sp>
+        <p:nvSpPr>
+          <p:cNvPr id="59" name="Rechteck 58">
+            <a:extLst>
+              <a:ext uri="{FF2B5EF4-FFF2-40B4-BE49-F238E27FC236}">
+                <a16:creationId xmlns:a16="http://schemas.microsoft.com/office/drawing/2014/main" id="{A0CE80C2-3881-41A3-9BEA-2F0108942D37}"/>
               </a:ext>
             </a:extLst>
           </p:cNvPr>
@@ -15819,8 +15036,8 @@
         </p:nvSpPr>
         <p:spPr>
           <a:xfrm>
-            <a:off x="9682174" y="3255788"/>
-            <a:ext cx="1716863" cy="537812"/>
+            <a:off x="8317817" y="343948"/>
+            <a:ext cx="3078496" cy="2293838"/>
           </a:xfrm>
           <a:prstGeom prst="rect">
             <a:avLst/>
@@ -15863,10 +15080,10 @@
       </p:sp>
       <p:sp>
         <p:nvSpPr>
-          <p:cNvPr id="69" name="Rechteck 68">
-            <a:extLst>
-              <a:ext uri="{FF2B5EF4-FFF2-40B4-BE49-F238E27FC236}">
-                <a16:creationId xmlns:a16="http://schemas.microsoft.com/office/drawing/2014/main" id="{546CE8B4-3775-4112-A479-E3776732CDF0}"/>
+          <p:cNvPr id="61" name="Rechteck 60">
+            <a:extLst>
+              <a:ext uri="{FF2B5EF4-FFF2-40B4-BE49-F238E27FC236}">
+                <a16:creationId xmlns:a16="http://schemas.microsoft.com/office/drawing/2014/main" id="{14295798-B1C1-4820-976C-9B11D758D1C4}"/>
               </a:ext>
             </a:extLst>
           </p:cNvPr>
@@ -15875,8 +15092,120 @@
         </p:nvSpPr>
         <p:spPr>
           <a:xfrm>
-            <a:off x="9874608" y="2925908"/>
-            <a:ext cx="1386909" cy="716970"/>
+            <a:off x="8437843" y="442817"/>
+            <a:ext cx="1466326" cy="740762"/>
+          </a:xfrm>
+          <a:prstGeom prst="rect">
+            <a:avLst/>
+          </a:prstGeom>
+        </p:spPr>
+        <p:style>
+          <a:lnRef idx="2">
+            <a:schemeClr val="accent6">
+              <a:shade val="50000"/>
+            </a:schemeClr>
+          </a:lnRef>
+          <a:fillRef idx="1">
+            <a:schemeClr val="accent6"/>
+          </a:fillRef>
+          <a:effectRef idx="0">
+            <a:schemeClr val="accent6"/>
+          </a:effectRef>
+          <a:fontRef idx="minor">
+            <a:schemeClr val="lt1"/>
+          </a:fontRef>
+        </p:style>
+        <p:txBody>
+          <a:bodyPr rtlCol="0" anchor="ctr"/>
+          <a:lstStyle/>
+          <a:p>
+            <a:pPr algn="ctr"/>
+            <a:r>
+              <a:rPr lang="de-DE" sz="1400" err="1">
+                <a:latin typeface="Roboto Medium" panose="02000000000000000000" pitchFamily="2" charset="0"/>
+                <a:ea typeface="Roboto Medium" panose="02000000000000000000" pitchFamily="2" charset="0"/>
+              </a:rPr>
+              <a:t>ReceiveService</a:t>
+            </a:r>
+            <a:endParaRPr lang="de-DE" sz="1400">
+              <a:latin typeface="Roboto Medium" panose="02000000000000000000" pitchFamily="2" charset="0"/>
+              <a:ea typeface="Roboto Medium" panose="02000000000000000000" pitchFamily="2" charset="0"/>
+            </a:endParaRPr>
+          </a:p>
+        </p:txBody>
+      </p:sp>
+      <p:sp>
+        <p:nvSpPr>
+          <p:cNvPr id="62" name="Rechteck 61">
+            <a:extLst>
+              <a:ext uri="{FF2B5EF4-FFF2-40B4-BE49-F238E27FC236}">
+                <a16:creationId xmlns:a16="http://schemas.microsoft.com/office/drawing/2014/main" id="{5022402D-3B17-4EAF-B697-1346084E1711}"/>
+              </a:ext>
+            </a:extLst>
+          </p:cNvPr>
+          <p:cNvSpPr/>
+          <p:nvPr/>
+        </p:nvSpPr>
+        <p:spPr>
+          <a:xfrm>
+            <a:off x="8456995" y="1369943"/>
+            <a:ext cx="1327148" cy="716970"/>
+          </a:xfrm>
+          <a:prstGeom prst="rect">
+            <a:avLst/>
+          </a:prstGeom>
+        </p:spPr>
+        <p:style>
+          <a:lnRef idx="2">
+            <a:schemeClr val="accent6">
+              <a:shade val="50000"/>
+            </a:schemeClr>
+          </a:lnRef>
+          <a:fillRef idx="1">
+            <a:schemeClr val="accent6"/>
+          </a:fillRef>
+          <a:effectRef idx="0">
+            <a:schemeClr val="accent6"/>
+          </a:effectRef>
+          <a:fontRef idx="minor">
+            <a:schemeClr val="lt1"/>
+          </a:fontRef>
+        </p:style>
+        <p:txBody>
+          <a:bodyPr rtlCol="0" anchor="ctr"/>
+          <a:lstStyle/>
+          <a:p>
+            <a:pPr algn="ctr"/>
+            <a:r>
+              <a:rPr lang="de-DE" sz="1400" err="1">
+                <a:latin typeface="Roboto Medium" panose="02000000000000000000" pitchFamily="2" charset="0"/>
+                <a:ea typeface="Roboto Medium" panose="02000000000000000000" pitchFamily="2" charset="0"/>
+              </a:rPr>
+              <a:t>SendService</a:t>
+            </a:r>
+            <a:endParaRPr lang="de-DE" sz="1400">
+              <a:latin typeface="Roboto Medium" panose="02000000000000000000" pitchFamily="2" charset="0"/>
+              <a:ea typeface="Roboto Medium" panose="02000000000000000000" pitchFamily="2" charset="0"/>
+            </a:endParaRPr>
+          </a:p>
+        </p:txBody>
+      </p:sp>
+      <p:sp>
+        <p:nvSpPr>
+          <p:cNvPr id="64" name="Rechteck 63">
+            <a:extLst>
+              <a:ext uri="{FF2B5EF4-FFF2-40B4-BE49-F238E27FC236}">
+                <a16:creationId xmlns:a16="http://schemas.microsoft.com/office/drawing/2014/main" id="{1B052F83-23B1-4DBF-96D0-94CC37C808BC}"/>
+              </a:ext>
+            </a:extLst>
+          </p:cNvPr>
+          <p:cNvSpPr/>
+          <p:nvPr/>
+        </p:nvSpPr>
+        <p:spPr>
+          <a:xfrm>
+            <a:off x="8456995" y="2347432"/>
+            <a:ext cx="1334598" cy="716970"/>
           </a:xfrm>
           <a:prstGeom prst="rect">
             <a:avLst/>
@@ -15908,40 +15237,41 @@
                 <a:latin typeface="Roboto Medium" panose="02000000000000000000" pitchFamily="2" charset="0"/>
                 <a:ea typeface="Roboto Medium" panose="02000000000000000000" pitchFamily="2" charset="0"/>
               </a:rPr>
-              <a:t>SessionList</a:t>
+              <a:t>Message Manager</a:t>
             </a:r>
           </a:p>
         </p:txBody>
       </p:sp>
       <p:cxnSp>
         <p:nvCxnSpPr>
-          <p:cNvPr id="81" name="Verbinder: gewinkelt 80">
-            <a:extLst>
-              <a:ext uri="{FF2B5EF4-FFF2-40B4-BE49-F238E27FC236}">
-                <a16:creationId xmlns:a16="http://schemas.microsoft.com/office/drawing/2014/main" id="{C434210C-9EFF-4EDC-B925-A80AFD69AAB9}"/>
+          <p:cNvPr id="65" name="Verbinder: gewinkelt 64">
+            <a:extLst>
+              <a:ext uri="{FF2B5EF4-FFF2-40B4-BE49-F238E27FC236}">
+                <a16:creationId xmlns:a16="http://schemas.microsoft.com/office/drawing/2014/main" id="{45CBBD5F-C17E-4520-B3F3-42C807186540}"/>
               </a:ext>
             </a:extLst>
           </p:cNvPr>
           <p:cNvCxnSpPr>
             <a:cxnSpLocks/>
-            <a:stCxn id="15" idx="3"/>
-            <a:endCxn id="69" idx="0"/>
+            <a:stCxn id="64" idx="0"/>
+            <a:endCxn id="62" idx="2"/>
           </p:cNvCxnSpPr>
           <p:nvPr/>
         </p:nvCxnSpPr>
         <p:spPr>
-          <a:xfrm>
-            <a:off x="9904169" y="813198"/>
-            <a:ext cx="663894" cy="2112710"/>
-          </a:xfrm>
-          <a:prstGeom prst="bentConnector2">
-            <a:avLst/>
+          <a:xfrm rot="16200000" flipV="1">
+            <a:off x="8992173" y="2215310"/>
+            <a:ext cx="260519" cy="3725"/>
+          </a:xfrm>
+          <a:prstGeom prst="bentConnector3">
+            <a:avLst>
+              <a:gd name="adj1" fmla="val 50000"/>
+            </a:avLst>
           </a:prstGeom>
           <a:ln w="57150">
             <a:solidFill>
-              <a:srgbClr val="7030A0"/>
+              <a:srgbClr val="FFC000"/>
             </a:solidFill>
-            <a:headEnd type="triangle"/>
             <a:tailEnd type="triangle"/>
           </a:ln>
         </p:spPr>
@@ -15962,10 +15292,288 @@
       </p:cxnSp>
       <p:sp>
         <p:nvSpPr>
-          <p:cNvPr id="84" name="Textfeld 83">
-            <a:extLst>
-              <a:ext uri="{FF2B5EF4-FFF2-40B4-BE49-F238E27FC236}">
-                <a16:creationId xmlns:a16="http://schemas.microsoft.com/office/drawing/2014/main" id="{CC50F31D-5D41-4501-901A-CF7EA8660B17}"/>
+          <p:cNvPr id="66" name="Rechteck 65">
+            <a:extLst>
+              <a:ext uri="{FF2B5EF4-FFF2-40B4-BE49-F238E27FC236}">
+                <a16:creationId xmlns:a16="http://schemas.microsoft.com/office/drawing/2014/main" id="{BA2C8A44-F24E-4A9D-904A-EE9BDAC21285}"/>
+              </a:ext>
+            </a:extLst>
+          </p:cNvPr>
+          <p:cNvSpPr/>
+          <p:nvPr/>
+        </p:nvSpPr>
+        <p:spPr>
+          <a:xfrm>
+            <a:off x="9682174" y="3255788"/>
+            <a:ext cx="1716863" cy="537812"/>
+          </a:xfrm>
+          <a:prstGeom prst="rect">
+            <a:avLst/>
+          </a:prstGeom>
+          <a:effectLst>
+            <a:outerShdw blurRad="266700" sx="102000" sy="102000" algn="ctr" rotWithShape="0">
+              <a:prstClr val="black">
+                <a:alpha val="18000"/>
+              </a:prstClr>
+            </a:outerShdw>
+          </a:effectLst>
+        </p:spPr>
+        <p:style>
+          <a:lnRef idx="2">
+            <a:schemeClr val="accent1">
+              <a:shade val="50000"/>
+            </a:schemeClr>
+          </a:lnRef>
+          <a:fillRef idx="1">
+            <a:schemeClr val="accent1"/>
+          </a:fillRef>
+          <a:effectRef idx="0">
+            <a:schemeClr val="accent1"/>
+          </a:effectRef>
+          <a:fontRef idx="minor">
+            <a:schemeClr val="lt1"/>
+          </a:fontRef>
+        </p:style>
+        <p:txBody>
+          <a:bodyPr rtlCol="0" anchor="ctr"/>
+          <a:lstStyle/>
+          <a:p>
+            <a:pPr algn="ctr"/>
+            <a:endParaRPr lang="de-DE" sz="1400">
+              <a:latin typeface="Roboto Medium" panose="02000000000000000000" pitchFamily="2" charset="0"/>
+              <a:ea typeface="Roboto Medium" panose="02000000000000000000" pitchFamily="2" charset="0"/>
+            </a:endParaRPr>
+          </a:p>
+        </p:txBody>
+      </p:sp>
+      <p:sp>
+        <p:nvSpPr>
+          <p:cNvPr id="68" name="Rechteck 67">
+            <a:extLst>
+              <a:ext uri="{FF2B5EF4-FFF2-40B4-BE49-F238E27FC236}">
+                <a16:creationId xmlns:a16="http://schemas.microsoft.com/office/drawing/2014/main" id="{E3DFD21D-1F50-4484-984D-2A396F42C0B2}"/>
+              </a:ext>
+            </a:extLst>
+          </p:cNvPr>
+          <p:cNvSpPr/>
+          <p:nvPr/>
+        </p:nvSpPr>
+        <p:spPr>
+          <a:xfrm>
+            <a:off x="9874608" y="2925908"/>
+            <a:ext cx="1386909" cy="716970"/>
+          </a:xfrm>
+          <a:prstGeom prst="rect">
+            <a:avLst/>
+          </a:prstGeom>
+        </p:spPr>
+        <p:style>
+          <a:lnRef idx="2">
+            <a:schemeClr val="accent2">
+              <a:shade val="50000"/>
+            </a:schemeClr>
+          </a:lnRef>
+          <a:fillRef idx="1">
+            <a:schemeClr val="accent2"/>
+          </a:fillRef>
+          <a:effectRef idx="0">
+            <a:schemeClr val="accent2"/>
+          </a:effectRef>
+          <a:fontRef idx="minor">
+            <a:schemeClr val="lt1"/>
+          </a:fontRef>
+        </p:style>
+        <p:txBody>
+          <a:bodyPr rtlCol="0" anchor="ctr"/>
+          <a:lstStyle/>
+          <a:p>
+            <a:pPr algn="ctr"/>
+            <a:r>
+              <a:rPr lang="de-DE" sz="1400">
+                <a:latin typeface="Roboto Medium" panose="02000000000000000000" pitchFamily="2" charset="0"/>
+                <a:ea typeface="Roboto Medium" panose="02000000000000000000" pitchFamily="2" charset="0"/>
+              </a:rPr>
+              <a:t>SessionList</a:t>
+            </a:r>
+          </a:p>
+        </p:txBody>
+      </p:sp>
+      <p:cxnSp>
+        <p:nvCxnSpPr>
+          <p:cNvPr id="69" name="Verbinder: gewinkelt 68">
+            <a:extLst>
+              <a:ext uri="{FF2B5EF4-FFF2-40B4-BE49-F238E27FC236}">
+                <a16:creationId xmlns:a16="http://schemas.microsoft.com/office/drawing/2014/main" id="{6822C2CE-B84F-4764-AB04-F9240E3A2783}"/>
+              </a:ext>
+            </a:extLst>
+          </p:cNvPr>
+          <p:cNvCxnSpPr>
+            <a:cxnSpLocks/>
+            <a:stCxn id="61" idx="3"/>
+            <a:endCxn id="68" idx="0"/>
+          </p:cNvCxnSpPr>
+          <p:nvPr/>
+        </p:nvCxnSpPr>
+        <p:spPr>
+          <a:xfrm>
+            <a:off x="9904169" y="813198"/>
+            <a:ext cx="663894" cy="2112710"/>
+          </a:xfrm>
+          <a:prstGeom prst="bentConnector2">
+            <a:avLst/>
+          </a:prstGeom>
+          <a:ln w="57150">
+            <a:solidFill>
+              <a:srgbClr val="7030A0"/>
+            </a:solidFill>
+            <a:headEnd type="triangle"/>
+            <a:tailEnd type="triangle"/>
+          </a:ln>
+        </p:spPr>
+        <p:style>
+          <a:lnRef idx="1">
+            <a:schemeClr val="accent1"/>
+          </a:lnRef>
+          <a:fillRef idx="0">
+            <a:schemeClr val="accent1"/>
+          </a:fillRef>
+          <a:effectRef idx="0">
+            <a:schemeClr val="accent1"/>
+          </a:effectRef>
+          <a:fontRef idx="minor">
+            <a:schemeClr val="tx1"/>
+          </a:fontRef>
+        </p:style>
+      </p:cxnSp>
+      <p:cxnSp>
+        <p:nvCxnSpPr>
+          <p:cNvPr id="72" name="Verbinder: gewinkelt 71">
+            <a:extLst>
+              <a:ext uri="{FF2B5EF4-FFF2-40B4-BE49-F238E27FC236}">
+                <a16:creationId xmlns:a16="http://schemas.microsoft.com/office/drawing/2014/main" id="{C8E24C3A-FD4F-4A9C-AB11-706DE1A09A5E}"/>
+              </a:ext>
+            </a:extLst>
+          </p:cNvPr>
+          <p:cNvCxnSpPr>
+            <a:cxnSpLocks/>
+            <a:endCxn id="64" idx="3"/>
+          </p:cNvCxnSpPr>
+          <p:nvPr/>
+        </p:nvCxnSpPr>
+        <p:spPr>
+          <a:xfrm rot="10800000" flipV="1">
+            <a:off x="9791593" y="1553625"/>
+            <a:ext cx="753366" cy="1152292"/>
+          </a:xfrm>
+          <a:prstGeom prst="bentConnector3">
+            <a:avLst>
+              <a:gd name="adj1" fmla="val 50000"/>
+            </a:avLst>
+          </a:prstGeom>
+          <a:ln w="57150">
+            <a:solidFill>
+              <a:srgbClr val="00B0F0"/>
+            </a:solidFill>
+            <a:tailEnd type="triangle"/>
+          </a:ln>
+        </p:spPr>
+        <p:style>
+          <a:lnRef idx="1">
+            <a:schemeClr val="accent6"/>
+          </a:lnRef>
+          <a:fillRef idx="0">
+            <a:schemeClr val="accent6"/>
+          </a:fillRef>
+          <a:effectRef idx="0">
+            <a:schemeClr val="accent6"/>
+          </a:effectRef>
+          <a:fontRef idx="minor">
+            <a:schemeClr val="tx1"/>
+          </a:fontRef>
+        </p:style>
+      </p:cxnSp>
+      <p:sp>
+        <p:nvSpPr>
+          <p:cNvPr id="73" name="Textfeld 72">
+            <a:extLst>
+              <a:ext uri="{FF2B5EF4-FFF2-40B4-BE49-F238E27FC236}">
+                <a16:creationId xmlns:a16="http://schemas.microsoft.com/office/drawing/2014/main" id="{1E7268DB-FCC5-4C79-B417-83FC4142F6F1}"/>
+              </a:ext>
+            </a:extLst>
+          </p:cNvPr>
+          <p:cNvSpPr txBox="1"/>
+          <p:nvPr/>
+        </p:nvSpPr>
+        <p:spPr>
+          <a:xfrm>
+            <a:off x="9448378" y="1937567"/>
+            <a:ext cx="1410271" cy="338554"/>
+          </a:xfrm>
+          <a:prstGeom prst="rect">
+            <a:avLst/>
+          </a:prstGeom>
+          <a:noFill/>
+          <a:effectLst>
+            <a:outerShdw blurRad="63500" sx="102000" sy="102000" algn="ctr" rotWithShape="0">
+              <a:prstClr val="black">
+                <a:alpha val="40000"/>
+              </a:prstClr>
+            </a:outerShdw>
+          </a:effectLst>
+        </p:spPr>
+        <p:txBody>
+          <a:bodyPr wrap="square" rtlCol="0" anchor="ctr">
+            <a:spAutoFit/>
+          </a:bodyPr>
+          <a:lstStyle/>
+          <a:p>
+            <a:pPr algn="ctr"/>
+            <a:r>
+              <a:rPr lang="de-DE" sz="1600">
+                <a:solidFill>
+                  <a:schemeClr val="tx1">
+                    <a:lumMod val="95000"/>
+                    <a:lumOff val="5000"/>
+                  </a:schemeClr>
+                </a:solidFill>
+                <a:effectLst>
+                  <a:outerShdw blurRad="38100" dist="38100" dir="2700000" algn="tl">
+                    <a:srgbClr val="000000">
+                      <a:alpha val="43137"/>
+                    </a:srgbClr>
+                  </a:outerShdw>
+                </a:effectLst>
+                <a:latin typeface="Roboto Medium" panose="02000000000000000000" pitchFamily="2" charset="0"/>
+                <a:ea typeface="Roboto Medium" panose="02000000000000000000" pitchFamily="2" charset="0"/>
+              </a:rPr>
+              <a:t>Yes</a:t>
+            </a:r>
+            <a:endParaRPr lang="de-DE">
+              <a:solidFill>
+                <a:schemeClr val="tx1">
+                  <a:lumMod val="95000"/>
+                  <a:lumOff val="5000"/>
+                </a:schemeClr>
+              </a:solidFill>
+              <a:effectLst>
+                <a:outerShdw blurRad="38100" dist="38100" dir="2700000" algn="tl">
+                  <a:srgbClr val="000000">
+                    <a:alpha val="43137"/>
+                  </a:srgbClr>
+                </a:outerShdw>
+              </a:effectLst>
+              <a:latin typeface="Roboto Medium" panose="02000000000000000000" pitchFamily="2" charset="0"/>
+              <a:ea typeface="Roboto Medium" panose="02000000000000000000" pitchFamily="2" charset="0"/>
+            </a:endParaRPr>
+          </a:p>
+        </p:txBody>
+      </p:sp>
+      <p:sp>
+        <p:nvSpPr>
+          <p:cNvPr id="74" name="Textfeld 73">
+            <a:extLst>
+              <a:ext uri="{FF2B5EF4-FFF2-40B4-BE49-F238E27FC236}">
+                <a16:creationId xmlns:a16="http://schemas.microsoft.com/office/drawing/2014/main" id="{3266EC6B-9005-4A0D-9D50-F9993949452C}"/>
               </a:ext>
             </a:extLst>
           </p:cNvPr>
@@ -16059,60 +15667,12 @@
           </a:p>
         </p:txBody>
       </p:sp>
-      <p:cxnSp>
-        <p:nvCxnSpPr>
-          <p:cNvPr id="99" name="Verbinder: gewinkelt 98">
-            <a:extLst>
-              <a:ext uri="{FF2B5EF4-FFF2-40B4-BE49-F238E27FC236}">
-                <a16:creationId xmlns:a16="http://schemas.microsoft.com/office/drawing/2014/main" id="{71075CAE-6BEF-4820-83A9-3164A81F8196}"/>
-              </a:ext>
-            </a:extLst>
-          </p:cNvPr>
-          <p:cNvCxnSpPr>
-            <a:cxnSpLocks/>
-            <a:stCxn id="84" idx="1"/>
-            <a:endCxn id="17" idx="3"/>
-          </p:cNvCxnSpPr>
-          <p:nvPr/>
-        </p:nvCxnSpPr>
-        <p:spPr>
-          <a:xfrm rot="10800000" flipV="1">
-            <a:off x="9791593" y="1553625"/>
-            <a:ext cx="753366" cy="1152292"/>
-          </a:xfrm>
-          <a:prstGeom prst="bentConnector3">
-            <a:avLst>
-              <a:gd name="adj1" fmla="val 50000"/>
-            </a:avLst>
-          </a:prstGeom>
-          <a:ln w="57150">
-            <a:solidFill>
-              <a:srgbClr val="00B0F0"/>
-            </a:solidFill>
-            <a:tailEnd type="triangle"/>
-          </a:ln>
-        </p:spPr>
-        <p:style>
-          <a:lnRef idx="1">
-            <a:schemeClr val="accent6"/>
-          </a:lnRef>
-          <a:fillRef idx="0">
-            <a:schemeClr val="accent6"/>
-          </a:fillRef>
-          <a:effectRef idx="0">
-            <a:schemeClr val="accent6"/>
-          </a:effectRef>
-          <a:fontRef idx="minor">
-            <a:schemeClr val="tx1"/>
-          </a:fontRef>
-        </p:style>
-      </p:cxnSp>
-      <p:sp>
-        <p:nvSpPr>
-          <p:cNvPr id="100" name="Textfeld 99">
-            <a:extLst>
-              <a:ext uri="{FF2B5EF4-FFF2-40B4-BE49-F238E27FC236}">
-                <a16:creationId xmlns:a16="http://schemas.microsoft.com/office/drawing/2014/main" id="{4012F970-6C35-4EF6-913F-E156C1DA690B}"/>
+      <p:sp>
+        <p:nvSpPr>
+          <p:cNvPr id="75" name="Textfeld 74">
+            <a:extLst>
+              <a:ext uri="{FF2B5EF4-FFF2-40B4-BE49-F238E27FC236}">
+                <a16:creationId xmlns:a16="http://schemas.microsoft.com/office/drawing/2014/main" id="{3CA83CDF-5642-42B8-9B77-CB8B18CD4B0D}"/>
               </a:ext>
             </a:extLst>
           </p:cNvPr>
@@ -16121,8 +15681,8 @@
         </p:nvSpPr>
         <p:spPr>
           <a:xfrm>
-            <a:off x="9448378" y="1937567"/>
-            <a:ext cx="1410271" cy="338554"/>
+            <a:off x="6908596" y="2059310"/>
+            <a:ext cx="3078489" cy="276999"/>
           </a:xfrm>
           <a:prstGeom prst="rect">
             <a:avLst/>
@@ -16144,7 +15704,7 @@
           <a:p>
             <a:pPr algn="ctr"/>
             <a:r>
-              <a:rPr lang="de-DE" sz="1600">
+              <a:rPr lang="de-DE" sz="1200">
                 <a:solidFill>
                   <a:schemeClr val="tx1">
                     <a:lumMod val="95000"/>
@@ -16161,9 +15721,9 @@
                 <a:latin typeface="Roboto Medium" panose="02000000000000000000" pitchFamily="2" charset="0"/>
                 <a:ea typeface="Roboto Medium" panose="02000000000000000000" pitchFamily="2" charset="0"/>
               </a:rPr>
-              <a:t>Yes</a:t>
-            </a:r>
-            <a:endParaRPr lang="de-DE">
+              <a:t>Poll messages to send to client(id)</a:t>
+            </a:r>
+            <a:endParaRPr lang="de-DE" sz="1400">
               <a:solidFill>
                 <a:schemeClr val="tx1">
                   <a:lumMod val="95000"/>
@@ -16183,185 +15743,10 @@
           </a:p>
         </p:txBody>
       </p:sp>
-      <p:sp>
-        <p:nvSpPr>
-          <p:cNvPr id="101" name="Rechteck 100">
-            <a:extLst>
-              <a:ext uri="{FF2B5EF4-FFF2-40B4-BE49-F238E27FC236}">
-                <a16:creationId xmlns:a16="http://schemas.microsoft.com/office/drawing/2014/main" id="{CF6A6736-1A45-48F1-9F99-8035266F4C22}"/>
-              </a:ext>
-            </a:extLst>
-          </p:cNvPr>
-          <p:cNvSpPr/>
-          <p:nvPr/>
-        </p:nvSpPr>
-        <p:spPr>
-          <a:xfrm>
-            <a:off x="114834" y="2027338"/>
-            <a:ext cx="1238987" cy="716970"/>
-          </a:xfrm>
-          <a:prstGeom prst="rect">
-            <a:avLst/>
-          </a:prstGeom>
-        </p:spPr>
-        <p:style>
-          <a:lnRef idx="2">
-            <a:schemeClr val="accent2">
-              <a:shade val="50000"/>
-            </a:schemeClr>
-          </a:lnRef>
-          <a:fillRef idx="1">
-            <a:schemeClr val="accent2"/>
-          </a:fillRef>
-          <a:effectRef idx="0">
-            <a:schemeClr val="accent2"/>
-          </a:effectRef>
-          <a:fontRef idx="minor">
-            <a:schemeClr val="lt1"/>
-          </a:fontRef>
-        </p:style>
-        <p:txBody>
-          <a:bodyPr rtlCol="0" anchor="ctr"/>
-          <a:lstStyle/>
-          <a:p>
-            <a:pPr algn="ctr"/>
-            <a:r>
-              <a:rPr lang="de-DE" sz="1400">
-                <a:latin typeface="Roboto Medium" panose="02000000000000000000" pitchFamily="2" charset="0"/>
-                <a:ea typeface="Roboto Medium" panose="02000000000000000000" pitchFamily="2" charset="0"/>
-              </a:rPr>
-              <a:t>User Data</a:t>
-            </a:r>
-          </a:p>
-        </p:txBody>
-      </p:sp>
-      <p:sp>
-        <p:nvSpPr>
-          <p:cNvPr id="102" name="Textfeld 101">
-            <a:extLst>
-              <a:ext uri="{FF2B5EF4-FFF2-40B4-BE49-F238E27FC236}">
-                <a16:creationId xmlns:a16="http://schemas.microsoft.com/office/drawing/2014/main" id="{12976179-035B-4FB8-ABC5-E0EA50A2D529}"/>
-              </a:ext>
-            </a:extLst>
-          </p:cNvPr>
-          <p:cNvSpPr txBox="1"/>
-          <p:nvPr/>
-        </p:nvSpPr>
-        <p:spPr>
-          <a:xfrm>
-            <a:off x="4950683" y="418627"/>
-            <a:ext cx="3078489" cy="338554"/>
-          </a:xfrm>
-          <a:prstGeom prst="rect">
-            <a:avLst/>
-          </a:prstGeom>
-          <a:noFill/>
-          <a:effectLst>
-            <a:outerShdw blurRad="63500" sx="102000" sy="102000" algn="ctr" rotWithShape="0">
-              <a:prstClr val="black">
-                <a:alpha val="40000"/>
-              </a:prstClr>
-            </a:outerShdw>
-          </a:effectLst>
-        </p:spPr>
-        <p:txBody>
-          <a:bodyPr wrap="square" rtlCol="0" anchor="ctr">
-            <a:spAutoFit/>
-          </a:bodyPr>
-          <a:lstStyle/>
-          <a:p>
-            <a:pPr algn="ctr"/>
-            <a:r>
-              <a:rPr lang="de-DE" sz="1600">
-                <a:solidFill>
-                  <a:schemeClr val="tx1">
-                    <a:lumMod val="95000"/>
-                    <a:lumOff val="5000"/>
-                  </a:schemeClr>
-                </a:solidFill>
-                <a:effectLst>
-                  <a:outerShdw blurRad="38100" dist="38100" dir="2700000" algn="tl">
-                    <a:srgbClr val="000000">
-                      <a:alpha val="43137"/>
-                    </a:srgbClr>
-                  </a:outerShdw>
-                </a:effectLst>
-                <a:latin typeface="Roboto Medium" panose="02000000000000000000" pitchFamily="2" charset="0"/>
-                <a:ea typeface="Roboto Medium" panose="02000000000000000000" pitchFamily="2" charset="0"/>
-              </a:rPr>
-              <a:t>Send message, receive answer</a:t>
-            </a:r>
-            <a:endParaRPr lang="de-DE">
-              <a:solidFill>
-                <a:schemeClr val="tx1">
-                  <a:lumMod val="95000"/>
-                  <a:lumOff val="5000"/>
-                </a:schemeClr>
-              </a:solidFill>
-              <a:effectLst>
-                <a:outerShdw blurRad="38100" dist="38100" dir="2700000" algn="tl">
-                  <a:srgbClr val="000000">
-                    <a:alpha val="43137"/>
-                  </a:srgbClr>
-                </a:outerShdw>
-              </a:effectLst>
-              <a:latin typeface="Roboto Medium" panose="02000000000000000000" pitchFamily="2" charset="0"/>
-              <a:ea typeface="Roboto Medium" panose="02000000000000000000" pitchFamily="2" charset="0"/>
-            </a:endParaRPr>
-          </a:p>
-        </p:txBody>
-      </p:sp>
-      <p:cxnSp>
-        <p:nvCxnSpPr>
-          <p:cNvPr id="103" name="Verbinder: gewinkelt 102">
-            <a:extLst>
-              <a:ext uri="{FF2B5EF4-FFF2-40B4-BE49-F238E27FC236}">
-                <a16:creationId xmlns:a16="http://schemas.microsoft.com/office/drawing/2014/main" id="{3BEBF514-5690-4110-8C1C-F223A78EF6B9}"/>
-              </a:ext>
-            </a:extLst>
-          </p:cNvPr>
-          <p:cNvCxnSpPr>
-            <a:cxnSpLocks/>
-          </p:cNvCxnSpPr>
-          <p:nvPr/>
-        </p:nvCxnSpPr>
-        <p:spPr>
-          <a:xfrm flipV="1">
-            <a:off x="4732999" y="831859"/>
-            <a:ext cx="3670050" cy="2328"/>
-          </a:xfrm>
-          <a:prstGeom prst="bentConnector3">
-            <a:avLst>
-              <a:gd name="adj1" fmla="val 50000"/>
-            </a:avLst>
-          </a:prstGeom>
-          <a:ln w="57150">
-            <a:solidFill>
-              <a:srgbClr val="7030A0"/>
-            </a:solidFill>
-            <a:headEnd type="triangle"/>
-            <a:tailEnd type="triangle"/>
-          </a:ln>
-        </p:spPr>
-        <p:style>
-          <a:lnRef idx="1">
-            <a:schemeClr val="accent1"/>
-          </a:lnRef>
-          <a:fillRef idx="0">
-            <a:schemeClr val="accent1"/>
-          </a:fillRef>
-          <a:effectRef idx="0">
-            <a:schemeClr val="accent1"/>
-          </a:effectRef>
-          <a:fontRef idx="minor">
-            <a:schemeClr val="tx1"/>
-          </a:fontRef>
-        </p:style>
-      </p:cxnSp>
     </p:spTree>
     <p:extLst>
       <p:ext uri="{BB962C8B-B14F-4D97-AF65-F5344CB8AC3E}">
-        <p14:creationId xmlns:p14="http://schemas.microsoft.com/office/powerpoint/2010/main" val="2534709350"/>
+        <p14:creationId xmlns:p14="http://schemas.microsoft.com/office/powerpoint/2010/main" val="94477974"/>
       </p:ext>
     </p:extLst>
   </p:cSld>
